--- a/lab3 V2.pptx
+++ b/lab3 V2.pptx
@@ -4,6 +4,9 @@
   <p:sldMasterIdLst>
     <p:sldMasterId id="2147483851" r:id="rId1"/>
   </p:sldMasterIdLst>
+  <p:notesMasterIdLst>
+    <p:notesMasterId r:id="rId15"/>
+  </p:notesMasterIdLst>
   <p:sldIdLst>
     <p:sldId id="256" r:id="rId2"/>
     <p:sldId id="257" r:id="rId3"/>
@@ -124,6 +127,440 @@
 </p:presentation>
 </file>
 
+<file path=ppt/notesMasters/notesMaster1.xml><?xml version="1.0" encoding="utf-8"?>
+<p:notesMaster xmlns:a="http://schemas.openxmlformats.org/drawingml/2006/main" xmlns:r="http://schemas.openxmlformats.org/officeDocument/2006/relationships" xmlns:p="http://schemas.openxmlformats.org/presentationml/2006/main">
+  <p:cSld>
+    <p:bg>
+      <p:bgRef idx="1001">
+        <a:schemeClr val="bg1"/>
+      </p:bgRef>
+    </p:bg>
+    <p:spTree>
+      <p:nvGrpSpPr>
+        <p:cNvPr id="1" name=""/>
+        <p:cNvGrpSpPr/>
+        <p:nvPr/>
+      </p:nvGrpSpPr>
+      <p:grpSpPr>
+        <a:xfrm>
+          <a:off x="0" y="0"/>
+          <a:ext cx="0" cy="0"/>
+          <a:chOff x="0" y="0"/>
+          <a:chExt cx="0" cy="0"/>
+        </a:xfrm>
+      </p:grpSpPr>
+      <p:sp>
+        <p:nvSpPr>
+          <p:cNvPr id="2" name="Верхний колонтитул 1"/>
+          <p:cNvSpPr>
+            <a:spLocks noGrp="1"/>
+          </p:cNvSpPr>
+          <p:nvPr>
+            <p:ph type="hdr" sz="quarter"/>
+          </p:nvPr>
+        </p:nvSpPr>
+        <p:spPr>
+          <a:xfrm>
+            <a:off x="0" y="0"/>
+            <a:ext cx="2971800" cy="458788"/>
+          </a:xfrm>
+          <a:prstGeom prst="rect">
+            <a:avLst/>
+          </a:prstGeom>
+        </p:spPr>
+        <p:txBody>
+          <a:bodyPr vert="horz" lIns="91440" tIns="45720" rIns="91440" bIns="45720" rtlCol="0"/>
+          <a:lstStyle>
+            <a:lvl1pPr algn="l">
+              <a:defRPr sz="1200"/>
+            </a:lvl1pPr>
+          </a:lstStyle>
+          <a:p>
+            <a:endParaRPr lang="ru-RU"/>
+          </a:p>
+        </p:txBody>
+      </p:sp>
+      <p:sp>
+        <p:nvSpPr>
+          <p:cNvPr id="3" name="Дата 2"/>
+          <p:cNvSpPr>
+            <a:spLocks noGrp="1"/>
+          </p:cNvSpPr>
+          <p:nvPr>
+            <p:ph type="dt" idx="1"/>
+          </p:nvPr>
+        </p:nvSpPr>
+        <p:spPr>
+          <a:xfrm>
+            <a:off x="3884613" y="0"/>
+            <a:ext cx="2971800" cy="458788"/>
+          </a:xfrm>
+          <a:prstGeom prst="rect">
+            <a:avLst/>
+          </a:prstGeom>
+        </p:spPr>
+        <p:txBody>
+          <a:bodyPr vert="horz" lIns="91440" tIns="45720" rIns="91440" bIns="45720" rtlCol="0"/>
+          <a:lstStyle>
+            <a:lvl1pPr algn="r">
+              <a:defRPr sz="1200"/>
+            </a:lvl1pPr>
+          </a:lstStyle>
+          <a:p>
+            <a:fld id="{E4438CF0-D597-45DD-8472-E9DACB807E4A}" type="datetimeFigureOut">
+              <a:rPr lang="ru-RU" smtClean="0"/>
+              <a:t>01.06.2024</a:t>
+            </a:fld>
+            <a:endParaRPr lang="ru-RU"/>
+          </a:p>
+        </p:txBody>
+      </p:sp>
+      <p:sp>
+        <p:nvSpPr>
+          <p:cNvPr id="4" name="Образ слайда 3"/>
+          <p:cNvSpPr>
+            <a:spLocks noGrp="1" noRot="1" noChangeAspect="1"/>
+          </p:cNvSpPr>
+          <p:nvPr>
+            <p:ph type="sldImg" idx="2"/>
+          </p:nvPr>
+        </p:nvSpPr>
+        <p:spPr>
+          <a:xfrm>
+            <a:off x="685800" y="1143000"/>
+            <a:ext cx="5486400" cy="3086100"/>
+          </a:xfrm>
+          <a:prstGeom prst="rect">
+            <a:avLst/>
+          </a:prstGeom>
+          <a:noFill/>
+          <a:ln w="12700">
+            <a:solidFill>
+              <a:prstClr val="black"/>
+            </a:solidFill>
+          </a:ln>
+        </p:spPr>
+        <p:txBody>
+          <a:bodyPr vert="horz" lIns="91440" tIns="45720" rIns="91440" bIns="45720" rtlCol="0" anchor="ctr"/>
+          <a:lstStyle/>
+          <a:p>
+            <a:endParaRPr lang="ru-RU"/>
+          </a:p>
+        </p:txBody>
+      </p:sp>
+      <p:sp>
+        <p:nvSpPr>
+          <p:cNvPr id="5" name="Заметки 4"/>
+          <p:cNvSpPr>
+            <a:spLocks noGrp="1"/>
+          </p:cNvSpPr>
+          <p:nvPr>
+            <p:ph type="body" sz="quarter" idx="3"/>
+          </p:nvPr>
+        </p:nvSpPr>
+        <p:spPr>
+          <a:xfrm>
+            <a:off x="685800" y="4400550"/>
+            <a:ext cx="5486400" cy="3600450"/>
+          </a:xfrm>
+          <a:prstGeom prst="rect">
+            <a:avLst/>
+          </a:prstGeom>
+        </p:spPr>
+        <p:txBody>
+          <a:bodyPr vert="horz" lIns="91440" tIns="45720" rIns="91440" bIns="45720" rtlCol="0"/>
+          <a:lstStyle/>
+          <a:p>
+            <a:pPr lvl="0"/>
+            <a:r>
+              <a:rPr lang="ru-RU" smtClean="0"/>
+              <a:t>Образец текста</a:t>
+            </a:r>
+          </a:p>
+          <a:p>
+            <a:pPr lvl="1"/>
+            <a:r>
+              <a:rPr lang="ru-RU" smtClean="0"/>
+              <a:t>Второй уровень</a:t>
+            </a:r>
+          </a:p>
+          <a:p>
+            <a:pPr lvl="2"/>
+            <a:r>
+              <a:rPr lang="ru-RU" smtClean="0"/>
+              <a:t>Третий уровень</a:t>
+            </a:r>
+          </a:p>
+          <a:p>
+            <a:pPr lvl="3"/>
+            <a:r>
+              <a:rPr lang="ru-RU" smtClean="0"/>
+              <a:t>Четвертый уровень</a:t>
+            </a:r>
+          </a:p>
+          <a:p>
+            <a:pPr lvl="4"/>
+            <a:r>
+              <a:rPr lang="ru-RU" smtClean="0"/>
+              <a:t>Пятый уровень</a:t>
+            </a:r>
+            <a:endParaRPr lang="ru-RU"/>
+          </a:p>
+        </p:txBody>
+      </p:sp>
+      <p:sp>
+        <p:nvSpPr>
+          <p:cNvPr id="6" name="Нижний колонтитул 5"/>
+          <p:cNvSpPr>
+            <a:spLocks noGrp="1"/>
+          </p:cNvSpPr>
+          <p:nvPr>
+            <p:ph type="ftr" sz="quarter" idx="4"/>
+          </p:nvPr>
+        </p:nvSpPr>
+        <p:spPr>
+          <a:xfrm>
+            <a:off x="0" y="8685213"/>
+            <a:ext cx="2971800" cy="458787"/>
+          </a:xfrm>
+          <a:prstGeom prst="rect">
+            <a:avLst/>
+          </a:prstGeom>
+        </p:spPr>
+        <p:txBody>
+          <a:bodyPr vert="horz" lIns="91440" tIns="45720" rIns="91440" bIns="45720" rtlCol="0" anchor="b"/>
+          <a:lstStyle>
+            <a:lvl1pPr algn="l">
+              <a:defRPr sz="1200"/>
+            </a:lvl1pPr>
+          </a:lstStyle>
+          <a:p>
+            <a:endParaRPr lang="ru-RU"/>
+          </a:p>
+        </p:txBody>
+      </p:sp>
+      <p:sp>
+        <p:nvSpPr>
+          <p:cNvPr id="7" name="Номер слайда 6"/>
+          <p:cNvSpPr>
+            <a:spLocks noGrp="1"/>
+          </p:cNvSpPr>
+          <p:nvPr>
+            <p:ph type="sldNum" sz="quarter" idx="5"/>
+          </p:nvPr>
+        </p:nvSpPr>
+        <p:spPr>
+          <a:xfrm>
+            <a:off x="3884613" y="8685213"/>
+            <a:ext cx="2971800" cy="458787"/>
+          </a:xfrm>
+          <a:prstGeom prst="rect">
+            <a:avLst/>
+          </a:prstGeom>
+        </p:spPr>
+        <p:txBody>
+          <a:bodyPr vert="horz" lIns="91440" tIns="45720" rIns="91440" bIns="45720" rtlCol="0" anchor="b"/>
+          <a:lstStyle>
+            <a:lvl1pPr algn="r">
+              <a:defRPr sz="1200"/>
+            </a:lvl1pPr>
+          </a:lstStyle>
+          <a:p>
+            <a:fld id="{71EC2C7A-246B-4906-AB24-4BAE7C273503}" type="slidenum">
+              <a:rPr lang="ru-RU" smtClean="0"/>
+              <a:t>‹#›</a:t>
+            </a:fld>
+            <a:endParaRPr lang="ru-RU"/>
+          </a:p>
+        </p:txBody>
+      </p:sp>
+    </p:spTree>
+    <p:extLst>
+      <p:ext uri="{BB962C8B-B14F-4D97-AF65-F5344CB8AC3E}">
+        <p14:creationId xmlns:p14="http://schemas.microsoft.com/office/powerpoint/2010/main" val="632715458"/>
+      </p:ext>
+    </p:extLst>
+  </p:cSld>
+  <p:clrMap bg1="lt1" tx1="dk1" bg2="lt2" tx2="dk2" accent1="accent1" accent2="accent2" accent3="accent3" accent4="accent4" accent5="accent5" accent6="accent6" hlink="hlink" folHlink="folHlink"/>
+  <p:notesStyle>
+    <a:lvl1pPr marL="0" algn="l" defTabSz="914400" rtl="0" eaLnBrk="1" latinLnBrk="0" hangingPunct="1">
+      <a:defRPr sz="1200" kern="1200">
+        <a:solidFill>
+          <a:schemeClr val="tx1"/>
+        </a:solidFill>
+        <a:latin typeface="+mn-lt"/>
+        <a:ea typeface="+mn-ea"/>
+        <a:cs typeface="+mn-cs"/>
+      </a:defRPr>
+    </a:lvl1pPr>
+    <a:lvl2pPr marL="457200" algn="l" defTabSz="914400" rtl="0" eaLnBrk="1" latinLnBrk="0" hangingPunct="1">
+      <a:defRPr sz="1200" kern="1200">
+        <a:solidFill>
+          <a:schemeClr val="tx1"/>
+        </a:solidFill>
+        <a:latin typeface="+mn-lt"/>
+        <a:ea typeface="+mn-ea"/>
+        <a:cs typeface="+mn-cs"/>
+      </a:defRPr>
+    </a:lvl2pPr>
+    <a:lvl3pPr marL="914400" algn="l" defTabSz="914400" rtl="0" eaLnBrk="1" latinLnBrk="0" hangingPunct="1">
+      <a:defRPr sz="1200" kern="1200">
+        <a:solidFill>
+          <a:schemeClr val="tx1"/>
+        </a:solidFill>
+        <a:latin typeface="+mn-lt"/>
+        <a:ea typeface="+mn-ea"/>
+        <a:cs typeface="+mn-cs"/>
+      </a:defRPr>
+    </a:lvl3pPr>
+    <a:lvl4pPr marL="1371600" algn="l" defTabSz="914400" rtl="0" eaLnBrk="1" latinLnBrk="0" hangingPunct="1">
+      <a:defRPr sz="1200" kern="1200">
+        <a:solidFill>
+          <a:schemeClr val="tx1"/>
+        </a:solidFill>
+        <a:latin typeface="+mn-lt"/>
+        <a:ea typeface="+mn-ea"/>
+        <a:cs typeface="+mn-cs"/>
+      </a:defRPr>
+    </a:lvl4pPr>
+    <a:lvl5pPr marL="1828800" algn="l" defTabSz="914400" rtl="0" eaLnBrk="1" latinLnBrk="0" hangingPunct="1">
+      <a:defRPr sz="1200" kern="1200">
+        <a:solidFill>
+          <a:schemeClr val="tx1"/>
+        </a:solidFill>
+        <a:latin typeface="+mn-lt"/>
+        <a:ea typeface="+mn-ea"/>
+        <a:cs typeface="+mn-cs"/>
+      </a:defRPr>
+    </a:lvl5pPr>
+    <a:lvl6pPr marL="2286000" algn="l" defTabSz="914400" rtl="0" eaLnBrk="1" latinLnBrk="0" hangingPunct="1">
+      <a:defRPr sz="1200" kern="1200">
+        <a:solidFill>
+          <a:schemeClr val="tx1"/>
+        </a:solidFill>
+        <a:latin typeface="+mn-lt"/>
+        <a:ea typeface="+mn-ea"/>
+        <a:cs typeface="+mn-cs"/>
+      </a:defRPr>
+    </a:lvl6pPr>
+    <a:lvl7pPr marL="2743200" algn="l" defTabSz="914400" rtl="0" eaLnBrk="1" latinLnBrk="0" hangingPunct="1">
+      <a:defRPr sz="1200" kern="1200">
+        <a:solidFill>
+          <a:schemeClr val="tx1"/>
+        </a:solidFill>
+        <a:latin typeface="+mn-lt"/>
+        <a:ea typeface="+mn-ea"/>
+        <a:cs typeface="+mn-cs"/>
+      </a:defRPr>
+    </a:lvl7pPr>
+    <a:lvl8pPr marL="3200400" algn="l" defTabSz="914400" rtl="0" eaLnBrk="1" latinLnBrk="0" hangingPunct="1">
+      <a:defRPr sz="1200" kern="1200">
+        <a:solidFill>
+          <a:schemeClr val="tx1"/>
+        </a:solidFill>
+        <a:latin typeface="+mn-lt"/>
+        <a:ea typeface="+mn-ea"/>
+        <a:cs typeface="+mn-cs"/>
+      </a:defRPr>
+    </a:lvl8pPr>
+    <a:lvl9pPr marL="3657600" algn="l" defTabSz="914400" rtl="0" eaLnBrk="1" latinLnBrk="0" hangingPunct="1">
+      <a:defRPr sz="1200" kern="1200">
+        <a:solidFill>
+          <a:schemeClr val="tx1"/>
+        </a:solidFill>
+        <a:latin typeface="+mn-lt"/>
+        <a:ea typeface="+mn-ea"/>
+        <a:cs typeface="+mn-cs"/>
+      </a:defRPr>
+    </a:lvl9pPr>
+  </p:notesStyle>
+</p:notesMaster>
+</file>
+
+<file path=ppt/notesSlides/notesSlide1.xml><?xml version="1.0" encoding="utf-8"?>
+<p:notes xmlns:a="http://schemas.openxmlformats.org/drawingml/2006/main" xmlns:r="http://schemas.openxmlformats.org/officeDocument/2006/relationships" xmlns:p="http://schemas.openxmlformats.org/presentationml/2006/main">
+  <p:cSld>
+    <p:spTree>
+      <p:nvGrpSpPr>
+        <p:cNvPr id="1" name=""/>
+        <p:cNvGrpSpPr/>
+        <p:nvPr/>
+      </p:nvGrpSpPr>
+      <p:grpSpPr>
+        <a:xfrm>
+          <a:off x="0" y="0"/>
+          <a:ext cx="0" cy="0"/>
+          <a:chOff x="0" y="0"/>
+          <a:chExt cx="0" cy="0"/>
+        </a:xfrm>
+      </p:grpSpPr>
+      <p:sp>
+        <p:nvSpPr>
+          <p:cNvPr id="2" name="Образ слайда 1"/>
+          <p:cNvSpPr>
+            <a:spLocks noGrp="1" noRot="1" noChangeAspect="1"/>
+          </p:cNvSpPr>
+          <p:nvPr>
+            <p:ph type="sldImg"/>
+          </p:nvPr>
+        </p:nvSpPr>
+        <p:spPr/>
+      </p:sp>
+      <p:sp>
+        <p:nvSpPr>
+          <p:cNvPr id="3" name="Заметки 2"/>
+          <p:cNvSpPr>
+            <a:spLocks noGrp="1"/>
+          </p:cNvSpPr>
+          <p:nvPr>
+            <p:ph type="body" idx="1"/>
+          </p:nvPr>
+        </p:nvSpPr>
+        <p:spPr/>
+        <p:txBody>
+          <a:bodyPr/>
+          <a:lstStyle/>
+          <a:p>
+            <a:endParaRPr lang="ru-RU"/>
+          </a:p>
+        </p:txBody>
+      </p:sp>
+      <p:sp>
+        <p:nvSpPr>
+          <p:cNvPr id="4" name="Номер слайда 3"/>
+          <p:cNvSpPr>
+            <a:spLocks noGrp="1"/>
+          </p:cNvSpPr>
+          <p:nvPr>
+            <p:ph type="sldNum" sz="quarter" idx="10"/>
+          </p:nvPr>
+        </p:nvSpPr>
+        <p:spPr/>
+        <p:txBody>
+          <a:bodyPr/>
+          <a:lstStyle/>
+          <a:p>
+            <a:fld id="{71EC2C7A-246B-4906-AB24-4BAE7C273503}" type="slidenum">
+              <a:rPr lang="ru-RU" smtClean="0"/>
+              <a:t>8</a:t>
+            </a:fld>
+            <a:endParaRPr lang="ru-RU"/>
+          </a:p>
+        </p:txBody>
+      </p:sp>
+    </p:spTree>
+    <p:extLst>
+      <p:ext uri="{BB962C8B-B14F-4D97-AF65-F5344CB8AC3E}">
+        <p14:creationId xmlns:p14="http://schemas.microsoft.com/office/powerpoint/2010/main" val="2619381089"/>
+      </p:ext>
+    </p:extLst>
+  </p:cSld>
+  <p:clrMapOvr>
+    <a:masterClrMapping/>
+  </p:clrMapOvr>
+</p:notes>
+</file>
+
 <file path=ppt/slideLayouts/slideLayout1.xml><?xml version="1.0" encoding="utf-8"?>
 <p:sldLayout xmlns:a="http://schemas.openxmlformats.org/drawingml/2006/main" xmlns:r="http://schemas.openxmlformats.org/officeDocument/2006/relationships" xmlns:p="http://schemas.openxmlformats.org/presentationml/2006/main" type="title" preserve="1">
   <p:cSld name="Титульный слайд">
@@ -219,7 +656,7 @@
           <a:effectLst/>
           <a:extLst>
             <a:ext uri="{91240B29-F687-4f45-9708-019B960494DF}">
-              <a14:hiddenLine xmlns="" xmlns:a14="http://schemas.microsoft.com/office/drawing/2010/main" w="9525">
+              <a14:hiddenLine xmlns:a14="http://schemas.microsoft.com/office/drawing/2010/main" xmlns="" w="9525">
                 <a:solidFill>
                   <a:srgbClr val="000000"/>
                 </a:solidFill>
@@ -409,9 +846,9 @@
           <a:bodyPr/>
           <a:lstStyle/>
           <a:p>
-            <a:fld id="{B80F08CB-B583-401A-B9B6-436C567E24DA}" type="datetimeFigureOut">
-              <a:rPr lang="ru-RU" smtClean="0"/>
-              <a:t>24.05.2024</a:t>
+            <a:fld id="{FDBC71D2-100D-493E-B247-30E958335B1E}" type="datetime1">
+              <a:rPr lang="ru-RU" smtClean="0"/>
+              <a:t>01.06.2024</a:t>
             </a:fld>
             <a:endParaRPr lang="ru-RU"/>
           </a:p>
@@ -727,9 +1164,9 @@
           <a:bodyPr/>
           <a:lstStyle/>
           <a:p>
-            <a:fld id="{B80F08CB-B583-401A-B9B6-436C567E24DA}" type="datetimeFigureOut">
-              <a:rPr lang="ru-RU" smtClean="0"/>
-              <a:t>24.05.2024</a:t>
+            <a:fld id="{9348A67C-CEDD-48A9-83CB-9563CC32A7BA}" type="datetime1">
+              <a:rPr lang="ru-RU" smtClean="0"/>
+              <a:t>01.06.2024</a:t>
             </a:fld>
             <a:endParaRPr lang="ru-RU"/>
           </a:p>
@@ -1215,9 +1652,9 @@
           <a:bodyPr/>
           <a:lstStyle/>
           <a:p>
-            <a:fld id="{B80F08CB-B583-401A-B9B6-436C567E24DA}" type="datetimeFigureOut">
-              <a:rPr lang="ru-RU" smtClean="0"/>
-              <a:t>24.05.2024</a:t>
+            <a:fld id="{40BAA11C-2794-440B-A42B-267C27A16A27}" type="datetime1">
+              <a:rPr lang="ru-RU" smtClean="0"/>
+              <a:t>01.06.2024</a:t>
             </a:fld>
             <a:endParaRPr lang="ru-RU"/>
           </a:p>
@@ -1584,9 +2021,9 @@
           <a:bodyPr/>
           <a:lstStyle/>
           <a:p>
-            <a:fld id="{B80F08CB-B583-401A-B9B6-436C567E24DA}" type="datetimeFigureOut">
-              <a:rPr lang="ru-RU" smtClean="0"/>
-              <a:t>24.05.2024</a:t>
+            <a:fld id="{996F0635-7A5B-4C80-846D-D197623765B7}" type="datetime1">
+              <a:rPr lang="ru-RU" smtClean="0"/>
+              <a:t>01.06.2024</a:t>
             </a:fld>
             <a:endParaRPr lang="ru-RU"/>
           </a:p>
@@ -1741,7 +2178,7 @@
           <a:ln/>
           <a:extLst>
             <a:ext uri="{91240B29-F687-4f45-9708-019B960494DF}">
-              <a14:hiddenLine xmlns="" xmlns:a14="http://schemas.microsoft.com/office/drawing/2010/main" w="9525">
+              <a14:hiddenLine xmlns:a14="http://schemas.microsoft.com/office/drawing/2010/main" xmlns="" w="9525">
                 <a:solidFill>
                   <a:srgbClr val="000000"/>
                 </a:solidFill>
@@ -1857,9 +2294,9 @@
           <a:bodyPr/>
           <a:lstStyle/>
           <a:p>
-            <a:fld id="{B80F08CB-B583-401A-B9B6-436C567E24DA}" type="datetimeFigureOut">
-              <a:rPr lang="ru-RU" smtClean="0"/>
-              <a:t>24.05.2024</a:t>
+            <a:fld id="{460102B1-21C7-487D-8B90-660E7CE0D11D}" type="datetime1">
+              <a:rPr lang="ru-RU" smtClean="0"/>
+              <a:t>01.06.2024</a:t>
             </a:fld>
             <a:endParaRPr lang="ru-RU"/>
           </a:p>
@@ -2016,7 +2453,7 @@
           <a:ln/>
           <a:extLst>
             <a:ext uri="{91240B29-F687-4f45-9708-019B960494DF}">
-              <a14:hiddenLine xmlns="" xmlns:a14="http://schemas.microsoft.com/office/drawing/2010/main" w="9525">
+              <a14:hiddenLine xmlns:a14="http://schemas.microsoft.com/office/drawing/2010/main" xmlns="" w="9525">
                 <a:solidFill>
                   <a:srgbClr val="000000"/>
                 </a:solidFill>
@@ -2142,9 +2579,9 @@
           <a:bodyPr/>
           <a:lstStyle/>
           <a:p>
-            <a:fld id="{B80F08CB-B583-401A-B9B6-436C567E24DA}" type="datetimeFigureOut">
-              <a:rPr lang="ru-RU" smtClean="0"/>
-              <a:t>24.05.2024</a:t>
+            <a:fld id="{D6E035AA-6866-466E-9EA9-B97F9003ADDD}" type="datetime1">
+              <a:rPr lang="ru-RU" smtClean="0"/>
+              <a:t>01.06.2024</a:t>
             </a:fld>
             <a:endParaRPr lang="ru-RU"/>
           </a:p>
@@ -2299,7 +2736,7 @@
           <a:ln/>
           <a:extLst>
             <a:ext uri="{91240B29-F687-4f45-9708-019B960494DF}">
-              <a14:hiddenLine xmlns="" xmlns:a14="http://schemas.microsoft.com/office/drawing/2010/main" w="9525">
+              <a14:hiddenLine xmlns:a14="http://schemas.microsoft.com/office/drawing/2010/main" xmlns="" w="9525">
                 <a:solidFill>
                   <a:srgbClr val="000000"/>
                 </a:solidFill>
@@ -2425,9 +2862,9 @@
           <a:bodyPr/>
           <a:lstStyle/>
           <a:p>
-            <a:fld id="{B80F08CB-B583-401A-B9B6-436C567E24DA}" type="datetimeFigureOut">
-              <a:rPr lang="ru-RU" smtClean="0"/>
-              <a:t>24.05.2024</a:t>
+            <a:fld id="{2AB92288-1E59-4B74-8C7E-35A13D359698}" type="datetime1">
+              <a:rPr lang="ru-RU" smtClean="0"/>
+              <a:t>01.06.2024</a:t>
             </a:fld>
             <a:endParaRPr lang="ru-RU"/>
           </a:p>
@@ -2768,9 +3205,9 @@
           <a:bodyPr/>
           <a:lstStyle/>
           <a:p>
-            <a:fld id="{B80F08CB-B583-401A-B9B6-436C567E24DA}" type="datetimeFigureOut">
-              <a:rPr lang="ru-RU" smtClean="0"/>
-              <a:t>24.05.2024</a:t>
+            <a:fld id="{A879063C-6108-416A-AE38-F77BDBE713E7}" type="datetime1">
+              <a:rPr lang="ru-RU" smtClean="0"/>
+              <a:t>01.06.2024</a:t>
             </a:fld>
             <a:endParaRPr lang="ru-RU"/>
           </a:p>
@@ -2925,7 +3362,7 @@
           <a:ln/>
           <a:extLst>
             <a:ext uri="{91240B29-F687-4f45-9708-019B960494DF}">
-              <a14:hiddenLine xmlns="" xmlns:a14="http://schemas.microsoft.com/office/drawing/2010/main" w="9525">
+              <a14:hiddenLine xmlns:a14="http://schemas.microsoft.com/office/drawing/2010/main" xmlns="" w="9525">
                 <a:solidFill>
                   <a:srgbClr val="000000"/>
                 </a:solidFill>
@@ -3107,9 +3544,9 @@
           <a:bodyPr/>
           <a:lstStyle/>
           <a:p>
-            <a:fld id="{B80F08CB-B583-401A-B9B6-436C567E24DA}" type="datetimeFigureOut">
-              <a:rPr lang="ru-RU" smtClean="0"/>
-              <a:t>24.05.2024</a:t>
+            <a:fld id="{906D8BA7-23DC-437A-B7A5-986E57DD51E0}" type="datetime1">
+              <a:rPr lang="ru-RU" smtClean="0"/>
+              <a:t>01.06.2024</a:t>
             </a:fld>
             <a:endParaRPr lang="ru-RU"/>
           </a:p>
@@ -3264,7 +3701,7 @@
           <a:ln/>
           <a:extLst>
             <a:ext uri="{91240B29-F687-4f45-9708-019B960494DF}">
-              <a14:hiddenLine xmlns="" xmlns:a14="http://schemas.microsoft.com/office/drawing/2010/main" w="9525">
+              <a14:hiddenLine xmlns:a14="http://schemas.microsoft.com/office/drawing/2010/main" xmlns="" w="9525">
                 <a:solidFill>
                   <a:srgbClr val="000000"/>
                 </a:solidFill>
@@ -3584,9 +4021,9 @@
           <a:bodyPr/>
           <a:lstStyle/>
           <a:p>
-            <a:fld id="{B80F08CB-B583-401A-B9B6-436C567E24DA}" type="datetimeFigureOut">
-              <a:rPr lang="ru-RU" smtClean="0"/>
-              <a:t>24.05.2024</a:t>
+            <a:fld id="{DA2E11F0-D41A-4B0A-9721-6F8517069D40}" type="datetime1">
+              <a:rPr lang="ru-RU" smtClean="0"/>
+              <a:t>01.06.2024</a:t>
             </a:fld>
             <a:endParaRPr lang="ru-RU"/>
           </a:p>
@@ -3741,7 +4178,7 @@
           <a:ln/>
           <a:extLst>
             <a:ext uri="{91240B29-F687-4f45-9708-019B960494DF}">
-              <a14:hiddenLine xmlns="" xmlns:a14="http://schemas.microsoft.com/office/drawing/2010/main" w="9525">
+              <a14:hiddenLine xmlns:a14="http://schemas.microsoft.com/office/drawing/2010/main" xmlns="" w="9525">
                 <a:solidFill>
                   <a:srgbClr val="000000"/>
                 </a:solidFill>
@@ -3805,9 +4242,9 @@
           <a:bodyPr/>
           <a:lstStyle/>
           <a:p>
-            <a:fld id="{B80F08CB-B583-401A-B9B6-436C567E24DA}" type="datetimeFigureOut">
-              <a:rPr lang="ru-RU" smtClean="0"/>
-              <a:t>24.05.2024</a:t>
+            <a:fld id="{74273B11-8E91-4D1D-A377-255C6659DDD9}" type="datetime1">
+              <a:rPr lang="ru-RU" smtClean="0"/>
+              <a:t>01.06.2024</a:t>
             </a:fld>
             <a:endParaRPr lang="ru-RU"/>
           </a:p>
@@ -3900,9 +4337,9 @@
           <a:bodyPr/>
           <a:lstStyle/>
           <a:p>
-            <a:fld id="{B80F08CB-B583-401A-B9B6-436C567E24DA}" type="datetimeFigureOut">
-              <a:rPr lang="ru-RU" smtClean="0"/>
-              <a:t>24.05.2024</a:t>
+            <a:fld id="{E651284D-DC31-4556-BEAC-5A8A1A7A9EC2}" type="datetime1">
+              <a:rPr lang="ru-RU" smtClean="0"/>
+              <a:t>01.06.2024</a:t>
             </a:fld>
             <a:endParaRPr lang="ru-RU"/>
           </a:p>
@@ -4170,7 +4607,7 @@
           <a:ln/>
           <a:extLst>
             <a:ext uri="{91240B29-F687-4f45-9708-019B960494DF}">
-              <a14:hiddenLine xmlns="" xmlns:a14="http://schemas.microsoft.com/office/drawing/2010/main" w="9525">
+              <a14:hiddenLine xmlns:a14="http://schemas.microsoft.com/office/drawing/2010/main" xmlns="" w="9525">
                 <a:solidFill>
                   <a:srgbClr val="000000"/>
                 </a:solidFill>
@@ -4367,9 +4804,9 @@
           <a:bodyPr/>
           <a:lstStyle/>
           <a:p>
-            <a:fld id="{B80F08CB-B583-401A-B9B6-436C567E24DA}" type="datetimeFigureOut">
-              <a:rPr lang="ru-RU" smtClean="0"/>
-              <a:t>24.05.2024</a:t>
+            <a:fld id="{0243A173-6414-4BEF-B49E-778DA7BE2B59}" type="datetime1">
+              <a:rPr lang="ru-RU" smtClean="0"/>
+              <a:t>01.06.2024</a:t>
             </a:fld>
             <a:endParaRPr lang="ru-RU"/>
           </a:p>
@@ -4680,9 +5117,9 @@
           <a:bodyPr/>
           <a:lstStyle/>
           <a:p>
-            <a:fld id="{B80F08CB-B583-401A-B9B6-436C567E24DA}" type="datetimeFigureOut">
-              <a:rPr lang="ru-RU" smtClean="0"/>
-              <a:t>24.05.2024</a:t>
+            <a:fld id="{B936D781-AB53-4A6D-A2A7-CAAFD6384058}" type="datetime1">
+              <a:rPr lang="ru-RU" smtClean="0"/>
+              <a:t>01.06.2024</a:t>
             </a:fld>
             <a:endParaRPr lang="ru-RU"/>
           </a:p>
@@ -4950,9 +5387,9 @@
             </a:lvl1pPr>
           </a:lstStyle>
           <a:p>
-            <a:fld id="{B80F08CB-B583-401A-B9B6-436C567E24DA}" type="datetimeFigureOut">
-              <a:rPr lang="ru-RU" smtClean="0"/>
-              <a:t>24.05.2024</a:t>
+            <a:fld id="{50A5BD22-AAC5-476B-AFA1-575937278958}" type="datetime1">
+              <a:rPr lang="ru-RU" smtClean="0"/>
+              <a:t>01.06.2024</a:t>
             </a:fld>
             <a:endParaRPr lang="ru-RU"/>
           </a:p>
@@ -5021,6 +5458,7 @@
     <p:sldLayoutId id="2147483864" r:id="rId13"/>
     <p:sldLayoutId id="2147483865" r:id="rId14"/>
   </p:sldLayoutIdLst>
+  <p:hf hdr="0" dt="0"/>
   <p:txStyles>
     <p:titleStyle>
       <a:lvl1pPr algn="l" defTabSz="457200" rtl="0" eaLnBrk="1" latinLnBrk="0" hangingPunct="1">
@@ -5439,11 +5877,95 @@
             <p:ph type="subTitle" idx="1"/>
           </p:nvPr>
         </p:nvSpPr>
+        <p:spPr>
+          <a:xfrm>
+            <a:off x="4542020" y="5091216"/>
+            <a:ext cx="6970426" cy="1315271"/>
+          </a:xfrm>
+        </p:spPr>
+        <p:txBody>
+          <a:bodyPr>
+            <a:normAutofit/>
+          </a:bodyPr>
+          <a:lstStyle/>
+          <a:p>
+            <a:r>
+              <a:rPr lang="en-US" sz="2000" dirty="0"/>
+              <a:t>The presentation was made by students of group </a:t>
+            </a:r>
+            <a:r>
+              <a:rPr lang="en-US" sz="2000" dirty="0" smtClean="0"/>
+              <a:t>6111</a:t>
+            </a:r>
+            <a:endParaRPr lang="ru-RU" sz="2000" dirty="0" smtClean="0"/>
+          </a:p>
+          <a:p>
+            <a:r>
+              <a:rPr lang="en-US" sz="2000" dirty="0" err="1" smtClean="0"/>
+              <a:t>Shtengauer</a:t>
+            </a:r>
+            <a:r>
+              <a:rPr lang="en-US" sz="2000" dirty="0" smtClean="0"/>
+              <a:t> Kirill and </a:t>
+            </a:r>
+            <a:r>
+              <a:rPr lang="en-US" sz="2000" dirty="0" err="1" smtClean="0"/>
+              <a:t>Shelashnikov</a:t>
+            </a:r>
+            <a:r>
+              <a:rPr lang="en-US" sz="2000" dirty="0" smtClean="0"/>
+              <a:t> Timo</a:t>
+            </a:r>
+            <a:r>
+              <a:rPr lang="en-US" sz="2000" dirty="0" smtClean="0"/>
+              <a:t>fey</a:t>
+            </a:r>
+            <a:endParaRPr lang="ru-RU" sz="2000" dirty="0"/>
+          </a:p>
+        </p:txBody>
+      </p:sp>
+      <p:sp>
+        <p:nvSpPr>
+          <p:cNvPr id="4" name="Нижний колонтитул 3"/>
+          <p:cNvSpPr>
+            <a:spLocks noGrp="1"/>
+          </p:cNvSpPr>
+          <p:nvPr>
+            <p:ph type="ftr" sz="quarter" idx="11"/>
+          </p:nvPr>
+        </p:nvSpPr>
         <p:spPr/>
         <p:txBody>
           <a:bodyPr/>
           <a:lstStyle/>
           <a:p>
+            <a:r>
+              <a:rPr lang="en-US" dirty="0"/>
+              <a:t>A Method for Malware Analysis by Virtual Machine Introspection Technique</a:t>
+            </a:r>
+            <a:endParaRPr lang="ru-RU" dirty="0"/>
+          </a:p>
+        </p:txBody>
+      </p:sp>
+      <p:sp>
+        <p:nvSpPr>
+          <p:cNvPr id="5" name="Номер слайда 4"/>
+          <p:cNvSpPr>
+            <a:spLocks noGrp="1"/>
+          </p:cNvSpPr>
+          <p:nvPr>
+            <p:ph type="sldNum" sz="quarter" idx="12"/>
+          </p:nvPr>
+        </p:nvSpPr>
+        <p:spPr/>
+        <p:txBody>
+          <a:bodyPr/>
+          <a:lstStyle/>
+          <a:p>
+            <a:fld id="{EE276063-744B-49AE-85F4-CD3EC9E66288}" type="slidenum">
+              <a:rPr lang="ru-RU" smtClean="0"/>
+              <a:t>1</a:t>
+            </a:fld>
             <a:endParaRPr lang="ru-RU"/>
           </a:p>
         </p:txBody>
@@ -5501,8 +6023,12 @@
           <a:lstStyle/>
           <a:p>
             <a:r>
+              <a:rPr lang="en-US" dirty="0" smtClean="0"/>
+              <a:t>The </a:t>
+            </a:r>
+            <a:r>
               <a:rPr lang="en-US" dirty="0"/>
-              <a:t>Experimental Results</a:t>
+              <a:t>principle of the experiment</a:t>
             </a:r>
             <a:endParaRPr lang="ru-RU" dirty="0"/>
           </a:p>
@@ -5538,7 +6064,11 @@
             </a:r>
             <a:r>
               <a:rPr lang="en-US" dirty="0"/>
-              <a:t>the monitored Virtual Machine.</a:t>
+              <a:t>the monitored Virtual </a:t>
+            </a:r>
+            <a:r>
+              <a:rPr lang="en-US" dirty="0" smtClean="0"/>
+              <a:t>Machine</a:t>
             </a:r>
             <a:endParaRPr lang="ru-RU" dirty="0"/>
           </a:p>
@@ -5861,6 +6391,61 @@
           </a:p>
         </p:txBody>
       </p:sp>
+      <p:sp>
+        <p:nvSpPr>
+          <p:cNvPr id="6" name="Нижний колонтитул 5"/>
+          <p:cNvSpPr>
+            <a:spLocks noGrp="1"/>
+          </p:cNvSpPr>
+          <p:nvPr>
+            <p:ph type="ftr" sz="quarter" idx="11"/>
+          </p:nvPr>
+        </p:nvSpPr>
+        <p:spPr>
+          <a:xfrm>
+            <a:off x="422939" y="6161187"/>
+            <a:ext cx="8644320" cy="365125"/>
+          </a:xfrm>
+        </p:spPr>
+        <p:txBody>
+          <a:bodyPr/>
+          <a:lstStyle/>
+          <a:p>
+            <a:r>
+              <a:rPr lang="en-US" dirty="0"/>
+              <a:t>A Method for Malware Analysis by Virtual Machine Introspection </a:t>
+            </a:r>
+            <a:r>
+              <a:rPr lang="en-US" dirty="0" smtClean="0"/>
+              <a:t>Technique</a:t>
+            </a:r>
+            <a:endParaRPr lang="ru-RU" dirty="0"/>
+          </a:p>
+        </p:txBody>
+      </p:sp>
+      <p:sp>
+        <p:nvSpPr>
+          <p:cNvPr id="7" name="Номер слайда 6"/>
+          <p:cNvSpPr>
+            <a:spLocks noGrp="1"/>
+          </p:cNvSpPr>
+          <p:nvPr>
+            <p:ph type="sldNum" sz="quarter" idx="12"/>
+          </p:nvPr>
+        </p:nvSpPr>
+        <p:spPr/>
+        <p:txBody>
+          <a:bodyPr/>
+          <a:lstStyle/>
+          <a:p>
+            <a:fld id="{EE276063-744B-49AE-85F4-CD3EC9E66288}" type="slidenum">
+              <a:rPr lang="ru-RU" smtClean="0"/>
+              <a:t>10</a:t>
+            </a:fld>
+            <a:endParaRPr lang="ru-RU"/>
+          </a:p>
+        </p:txBody>
+      </p:sp>
     </p:spTree>
     <p:extLst>
       <p:ext uri="{BB962C8B-B14F-4D97-AF65-F5344CB8AC3E}">
@@ -5926,12 +6511,13 @@
             </a:r>
             <a:r>
               <a:rPr lang="en-US" dirty="0"/>
-              <a:t>the first experiment the introduced malware executed 7 threads, 4 network connections and 24 open files</a:t>
+              <a:t>the first experiment the introduced malware executed 7 threads, 4 network connections and 24 open </a:t>
             </a:r>
             <a:r>
               <a:rPr lang="en-US" dirty="0" smtClean="0"/>
-              <a:t>.</a:t>
-            </a:r>
+              <a:t>files</a:t>
+            </a:r>
+            <a:endParaRPr lang="en-US" dirty="0" smtClean="0"/>
           </a:p>
           <a:p>
             <a:r>
@@ -7017,6 +7603,61 @@
           </a:p>
         </p:txBody>
       </p:sp>
+      <p:sp>
+        <p:nvSpPr>
+          <p:cNvPr id="5" name="Нижний колонтитул 4"/>
+          <p:cNvSpPr>
+            <a:spLocks noGrp="1"/>
+          </p:cNvSpPr>
+          <p:nvPr>
+            <p:ph type="ftr" sz="quarter" idx="11"/>
+          </p:nvPr>
+        </p:nvSpPr>
+        <p:spPr>
+          <a:xfrm>
+            <a:off x="300039" y="6406155"/>
+            <a:ext cx="8644320" cy="365125"/>
+          </a:xfrm>
+        </p:spPr>
+        <p:txBody>
+          <a:bodyPr/>
+          <a:lstStyle/>
+          <a:p>
+            <a:r>
+              <a:rPr lang="en-US" dirty="0"/>
+              <a:t>A Method for Malware Analysis by Virtual Machine Introspection </a:t>
+            </a:r>
+            <a:r>
+              <a:rPr lang="en-US" dirty="0" smtClean="0"/>
+              <a:t>Technique</a:t>
+            </a:r>
+            <a:endParaRPr lang="ru-RU" dirty="0"/>
+          </a:p>
+        </p:txBody>
+      </p:sp>
+      <p:sp>
+        <p:nvSpPr>
+          <p:cNvPr id="7" name="Номер слайда 6"/>
+          <p:cNvSpPr>
+            <a:spLocks noGrp="1"/>
+          </p:cNvSpPr>
+          <p:nvPr>
+            <p:ph type="sldNum" sz="quarter" idx="12"/>
+          </p:nvPr>
+        </p:nvSpPr>
+        <p:spPr/>
+        <p:txBody>
+          <a:bodyPr/>
+          <a:lstStyle/>
+          <a:p>
+            <a:fld id="{EE276063-744B-49AE-85F4-CD3EC9E66288}" type="slidenum">
+              <a:rPr lang="ru-RU" smtClean="0"/>
+              <a:t>11</a:t>
+            </a:fld>
+            <a:endParaRPr lang="ru-RU"/>
+          </a:p>
+        </p:txBody>
+      </p:sp>
     </p:spTree>
     <p:extLst>
       <p:ext uri="{BB962C8B-B14F-4D97-AF65-F5344CB8AC3E}">
@@ -7094,19 +7735,74 @@
           <a:p>
             <a:r>
               <a:rPr lang="en-US" dirty="0"/>
-              <a:t>By analyzing the virtual machine memory image, the behavior of three malware samples in the virtual machine was obtained, such as their IDs, the IDs of their parent processes, the number of threads, as well as their network connections and open files</a:t>
+              <a:t>By analyzing the virtual machine memory image, the behavior of three malware samples in the virtual machine was obtained, such as their IDs, the IDs of their parent processes, the number of threads, as well as their network connections and open </a:t>
             </a:r>
             <a:r>
               <a:rPr lang="en-US" dirty="0" smtClean="0"/>
-              <a:t>.</a:t>
-            </a:r>
+              <a:t>files</a:t>
+            </a:r>
+            <a:endParaRPr lang="en-US" dirty="0" smtClean="0"/>
           </a:p>
           <a:p>
             <a:r>
               <a:rPr lang="en-US" dirty="0"/>
-              <a:t>Thus, the experimental results confirm the hypothesis that malware can be identified using the virtual machine introspection method.</a:t>
+              <a:t>Thus, the experimental results confirm the hypothesis that malware can be identified using the virtual machine introspection </a:t>
+            </a:r>
+            <a:r>
+              <a:rPr lang="en-US" dirty="0" smtClean="0"/>
+              <a:t>method</a:t>
             </a:r>
             <a:endParaRPr lang="ru-RU" dirty="0"/>
+          </a:p>
+        </p:txBody>
+      </p:sp>
+      <p:sp>
+        <p:nvSpPr>
+          <p:cNvPr id="4" name="Нижний колонтитул 3"/>
+          <p:cNvSpPr>
+            <a:spLocks noGrp="1"/>
+          </p:cNvSpPr>
+          <p:nvPr>
+            <p:ph type="ftr" sz="quarter" idx="11"/>
+          </p:nvPr>
+        </p:nvSpPr>
+        <p:spPr/>
+        <p:txBody>
+          <a:bodyPr/>
+          <a:lstStyle/>
+          <a:p>
+            <a:r>
+              <a:rPr lang="en-US" dirty="0"/>
+              <a:t>A Method for Malware Analysis by Virtual Machine Introspection </a:t>
+            </a:r>
+            <a:r>
+              <a:rPr lang="en-US" dirty="0" smtClean="0"/>
+              <a:t>Technique</a:t>
+            </a:r>
+            <a:endParaRPr lang="ru-RU" dirty="0"/>
+          </a:p>
+        </p:txBody>
+      </p:sp>
+      <p:sp>
+        <p:nvSpPr>
+          <p:cNvPr id="5" name="Номер слайда 4"/>
+          <p:cNvSpPr>
+            <a:spLocks noGrp="1"/>
+          </p:cNvSpPr>
+          <p:nvPr>
+            <p:ph type="sldNum" sz="quarter" idx="12"/>
+          </p:nvPr>
+        </p:nvSpPr>
+        <p:spPr/>
+        <p:txBody>
+          <a:bodyPr/>
+          <a:lstStyle/>
+          <a:p>
+            <a:fld id="{EE276063-744B-49AE-85F4-CD3EC9E66288}" type="slidenum">
+              <a:rPr lang="ru-RU" smtClean="0"/>
+              <a:t>12</a:t>
+            </a:fld>
+            <a:endParaRPr lang="ru-RU"/>
           </a:p>
         </p:txBody>
       </p:sp>
@@ -7189,6 +7885,56 @@
           </a:p>
         </p:txBody>
       </p:sp>
+      <p:sp>
+        <p:nvSpPr>
+          <p:cNvPr id="4" name="Нижний колонтитул 3"/>
+          <p:cNvSpPr>
+            <a:spLocks noGrp="1"/>
+          </p:cNvSpPr>
+          <p:nvPr>
+            <p:ph type="ftr" sz="quarter" idx="11"/>
+          </p:nvPr>
+        </p:nvSpPr>
+        <p:spPr/>
+        <p:txBody>
+          <a:bodyPr/>
+          <a:lstStyle/>
+          <a:p>
+            <a:r>
+              <a:rPr lang="en-US" dirty="0"/>
+              <a:t>A Method for Malware Analysis by Virtual Machine Introspection </a:t>
+            </a:r>
+            <a:r>
+              <a:rPr lang="en-US" dirty="0" smtClean="0"/>
+              <a:t>Technique</a:t>
+            </a:r>
+            <a:endParaRPr lang="ru-RU" dirty="0"/>
+          </a:p>
+        </p:txBody>
+      </p:sp>
+      <p:sp>
+        <p:nvSpPr>
+          <p:cNvPr id="5" name="Номер слайда 4"/>
+          <p:cNvSpPr>
+            <a:spLocks noGrp="1"/>
+          </p:cNvSpPr>
+          <p:nvPr>
+            <p:ph type="sldNum" sz="quarter" idx="12"/>
+          </p:nvPr>
+        </p:nvSpPr>
+        <p:spPr/>
+        <p:txBody>
+          <a:bodyPr/>
+          <a:lstStyle/>
+          <a:p>
+            <a:fld id="{EE276063-744B-49AE-85F4-CD3EC9E66288}" type="slidenum">
+              <a:rPr lang="ru-RU" smtClean="0"/>
+              <a:t>13</a:t>
+            </a:fld>
+            <a:endParaRPr lang="ru-RU"/>
+          </a:p>
+        </p:txBody>
+      </p:sp>
     </p:spTree>
     <p:extLst>
       <p:ext uri="{BB962C8B-B14F-4D97-AF65-F5344CB8AC3E}">
@@ -7259,69 +8005,258 @@
             <p:ph idx="1"/>
           </p:nvPr>
         </p:nvSpPr>
+        <p:spPr>
+          <a:xfrm>
+            <a:off x="673130" y="2843213"/>
+            <a:ext cx="10708868" cy="3686175"/>
+          </a:xfrm>
+        </p:spPr>
+        <p:txBody>
+          <a:bodyPr>
+            <a:normAutofit fontScale="85000" lnSpcReduction="20000"/>
+          </a:bodyPr>
+          <a:lstStyle/>
+          <a:p>
+            <a:pPr marL="0" indent="0">
+              <a:buNone/>
+            </a:pPr>
+            <a:r>
+              <a:rPr lang="en-US" sz="1700" dirty="0" smtClean="0"/>
+              <a:t>1. Introduction</a:t>
+            </a:r>
+            <a:endParaRPr lang="ru-RU" sz="1700" dirty="0" smtClean="0"/>
+          </a:p>
+          <a:p>
+            <a:pPr marL="0" indent="0">
+              <a:buNone/>
+            </a:pPr>
+            <a:r>
+              <a:rPr lang="en-US" sz="1700" dirty="0" smtClean="0"/>
+              <a:t>2. Problem Definition</a:t>
+            </a:r>
+            <a:endParaRPr lang="ru-RU" sz="1700" dirty="0"/>
+          </a:p>
+          <a:p>
+            <a:pPr marL="0" indent="0">
+              <a:buNone/>
+            </a:pPr>
+            <a:r>
+              <a:rPr lang="en-US" sz="1700" dirty="0" smtClean="0"/>
+              <a:t>3. Description </a:t>
+            </a:r>
+            <a:r>
+              <a:rPr lang="en-US" sz="1700" dirty="0"/>
+              <a:t>of the method and introduction of </a:t>
+            </a:r>
+            <a:r>
+              <a:rPr lang="en-US" sz="1700" dirty="0" smtClean="0"/>
+              <a:t>concepts</a:t>
+            </a:r>
+          </a:p>
+          <a:p>
+            <a:pPr marL="0" indent="0">
+              <a:buNone/>
+            </a:pPr>
+            <a:r>
+              <a:rPr lang="en-US" sz="1700" dirty="0"/>
+              <a:t>	</a:t>
+            </a:r>
+            <a:r>
+              <a:rPr lang="en-US" sz="1700" dirty="0" smtClean="0"/>
+              <a:t>3.1. </a:t>
+            </a:r>
+            <a:r>
+              <a:rPr lang="en-US" sz="1700" dirty="0"/>
+              <a:t>Virtual Machine Monitor</a:t>
+            </a:r>
+          </a:p>
+          <a:p>
+            <a:pPr marL="0" indent="0">
+              <a:buNone/>
+            </a:pPr>
+            <a:r>
+              <a:rPr lang="en-US" sz="1700" dirty="0" smtClean="0"/>
+              <a:t>	3.2. </a:t>
+            </a:r>
+            <a:r>
+              <a:rPr lang="en-US" sz="1700" dirty="0"/>
+              <a:t>Types of Virtual Machine Monitor</a:t>
+            </a:r>
+          </a:p>
+          <a:p>
+            <a:pPr marL="0" indent="0">
+              <a:buNone/>
+            </a:pPr>
+            <a:r>
+              <a:rPr lang="en-US" sz="1700" dirty="0" smtClean="0"/>
+              <a:t>	3.3. </a:t>
+            </a:r>
+            <a:r>
+              <a:rPr lang="en-US" sz="1700" dirty="0" err="1"/>
+              <a:t>VirtualBox</a:t>
+            </a:r>
+            <a:r>
+              <a:rPr lang="en-US" sz="1700" dirty="0"/>
+              <a:t> Hypervisor</a:t>
+            </a:r>
+          </a:p>
+          <a:p>
+            <a:pPr marL="0" indent="0">
+              <a:buNone/>
+            </a:pPr>
+            <a:r>
+              <a:rPr lang="en-US" sz="1700" dirty="0" smtClean="0"/>
+              <a:t>	3.4. </a:t>
+            </a:r>
+            <a:r>
+              <a:rPr lang="en-US" sz="1700" dirty="0"/>
+              <a:t>Virtual Machine </a:t>
+            </a:r>
+            <a:r>
+              <a:rPr lang="en-US" sz="1700" dirty="0" smtClean="0"/>
+              <a:t>Introspection</a:t>
+            </a:r>
+          </a:p>
+          <a:p>
+            <a:pPr marL="0" indent="0">
+              <a:buNone/>
+            </a:pPr>
+            <a:r>
+              <a:rPr lang="en-US" sz="1700" dirty="0"/>
+              <a:t>	</a:t>
+            </a:r>
+            <a:r>
+              <a:rPr lang="en-US" sz="1700" dirty="0" smtClean="0"/>
+              <a:t>3.5. </a:t>
+            </a:r>
+            <a:r>
+              <a:rPr lang="en-US" sz="1700" dirty="0"/>
+              <a:t>Design of the </a:t>
+            </a:r>
+            <a:r>
+              <a:rPr lang="en-US" sz="1700" dirty="0" smtClean="0"/>
+              <a:t>Method</a:t>
+            </a:r>
+          </a:p>
+          <a:p>
+            <a:pPr marL="0" indent="0">
+              <a:buNone/>
+            </a:pPr>
+            <a:r>
+              <a:rPr lang="en-US" sz="1700" dirty="0" smtClean="0"/>
+              <a:t>4. Experiment</a:t>
+            </a:r>
+          </a:p>
+          <a:p>
+            <a:pPr marL="0" indent="0">
+              <a:buNone/>
+            </a:pPr>
+            <a:r>
+              <a:rPr lang="en-US" sz="1700" dirty="0" smtClean="0"/>
+              <a:t>	</a:t>
+            </a:r>
+            <a:r>
+              <a:rPr lang="en-US" sz="1600" dirty="0" smtClean="0"/>
+              <a:t>4.1 </a:t>
+            </a:r>
+            <a:r>
+              <a:rPr lang="en-US" sz="1600" dirty="0"/>
+              <a:t>The principle of the </a:t>
+            </a:r>
+            <a:r>
+              <a:rPr lang="en-US" sz="1600" dirty="0" smtClean="0"/>
+              <a:t>experiment</a:t>
+            </a:r>
+          </a:p>
+          <a:p>
+            <a:pPr marL="0" indent="0">
+              <a:buNone/>
+            </a:pPr>
+            <a:r>
+              <a:rPr lang="en-US" sz="1700" dirty="0" smtClean="0"/>
+              <a:t>	4.2  </a:t>
+            </a:r>
+            <a:r>
+              <a:rPr lang="en-US" sz="1700" dirty="0"/>
+              <a:t>Experimental </a:t>
+            </a:r>
+            <a:r>
+              <a:rPr lang="en-US" sz="1700" dirty="0" smtClean="0"/>
+              <a:t>Results</a:t>
+            </a:r>
+          </a:p>
+          <a:p>
+            <a:pPr marL="0" indent="0">
+              <a:buNone/>
+            </a:pPr>
+            <a:r>
+              <a:rPr lang="en-US" sz="1700" dirty="0" smtClean="0"/>
+              <a:t>5. Conclusion</a:t>
+            </a:r>
+            <a:endParaRPr lang="ru-RU" sz="1700" dirty="0"/>
+          </a:p>
+          <a:p>
+            <a:pPr>
+              <a:buFont typeface="+mj-lt"/>
+              <a:buAutoNum type="arabicPeriod"/>
+            </a:pPr>
+            <a:endParaRPr lang="en-US" sz="1700" dirty="0" smtClean="0"/>
+          </a:p>
+          <a:p>
+            <a:endParaRPr lang="en-US" sz="1700" dirty="0" smtClean="0"/>
+          </a:p>
+          <a:p>
+            <a:endParaRPr lang="ru-RU" sz="1700" dirty="0"/>
+          </a:p>
+        </p:txBody>
+      </p:sp>
+      <p:sp>
+        <p:nvSpPr>
+          <p:cNvPr id="4" name="Нижний колонтитул 3"/>
+          <p:cNvSpPr>
+            <a:spLocks noGrp="1"/>
+          </p:cNvSpPr>
+          <p:nvPr>
+            <p:ph type="ftr" sz="quarter" idx="11"/>
+          </p:nvPr>
+        </p:nvSpPr>
         <p:spPr/>
         <p:txBody>
           <a:bodyPr/>
           <a:lstStyle/>
           <a:p>
             <a:r>
+              <a:rPr lang="en-US" dirty="0"/>
+              <a:t>A Method for Malware Analysis by Virtual Machine Introspection </a:t>
+            </a:r>
+            <a:r>
               <a:rPr lang="en-US" dirty="0" smtClean="0"/>
-              <a:t>Introduction</a:t>
-            </a:r>
-            <a:endParaRPr lang="ru-RU" dirty="0" smtClean="0"/>
-          </a:p>
-          <a:p>
-            <a:r>
-              <a:rPr lang="en-US" dirty="0" smtClean="0"/>
-              <a:t>Problem Definition</a:t>
-            </a:r>
-          </a:p>
-          <a:p>
-            <a:r>
-              <a:rPr lang="en-US" dirty="0"/>
-              <a:t>Virtual Machine </a:t>
-            </a:r>
-            <a:r>
-              <a:rPr lang="en-US" dirty="0" smtClean="0"/>
-              <a:t>Monitor</a:t>
-            </a:r>
-          </a:p>
-          <a:p>
-            <a:r>
-              <a:rPr lang="en-US" dirty="0"/>
-              <a:t>Types of Virtual Machine </a:t>
-            </a:r>
-            <a:r>
-              <a:rPr lang="en-US" dirty="0" smtClean="0"/>
-              <a:t>Monitor</a:t>
-            </a:r>
-          </a:p>
-          <a:p>
-            <a:r>
-              <a:rPr lang="en-US" dirty="0" err="1"/>
-              <a:t>VirtualBox</a:t>
-            </a:r>
-            <a:r>
-              <a:rPr lang="en-US" dirty="0"/>
-              <a:t> </a:t>
-            </a:r>
-            <a:r>
-              <a:rPr lang="en-US" dirty="0" smtClean="0"/>
-              <a:t>Hypervisor</a:t>
-            </a:r>
-          </a:p>
-          <a:p>
-            <a:r>
-              <a:rPr lang="en-US" dirty="0"/>
-              <a:t>Virtual Machine Introspection</a:t>
-            </a:r>
-            <a:endParaRPr lang="en-US" dirty="0" smtClean="0"/>
-          </a:p>
-          <a:p>
-            <a:endParaRPr lang="en-US" dirty="0" smtClean="0"/>
-          </a:p>
-          <a:p>
+              <a:t>Technique</a:t>
+            </a:r>
             <a:endParaRPr lang="ru-RU" dirty="0"/>
+          </a:p>
+        </p:txBody>
+      </p:sp>
+      <p:sp>
+        <p:nvSpPr>
+          <p:cNvPr id="5" name="Номер слайда 4"/>
+          <p:cNvSpPr>
+            <a:spLocks noGrp="1"/>
+          </p:cNvSpPr>
+          <p:nvPr>
+            <p:ph type="sldNum" sz="quarter" idx="12"/>
+          </p:nvPr>
+        </p:nvSpPr>
+        <p:spPr/>
+        <p:txBody>
+          <a:bodyPr/>
+          <a:lstStyle/>
+          <a:p>
+            <a:fld id="{EE276063-744B-49AE-85F4-CD3EC9E66288}" type="slidenum">
+              <a:rPr lang="ru-RU" smtClean="0"/>
+              <a:t>2</a:t>
+            </a:fld>
+            <a:endParaRPr lang="ru-RU"/>
           </a:p>
         </p:txBody>
       </p:sp>
@@ -7402,24 +8337,80 @@
           <a:p>
             <a:r>
               <a:rPr lang="en-US" dirty="0"/>
-              <a:t>Malicious code has become one of the biggest threats in the field of computer security, the number of malware has grown in recent years</a:t>
+              <a:t>Malicious code has become one of the biggest threats in the field of computer security, the number of malware has grown in recent </a:t>
             </a:r>
             <a:r>
               <a:rPr lang="en-US" dirty="0" smtClean="0"/>
-              <a:t>.</a:t>
-            </a:r>
+              <a:t>years</a:t>
+            </a:r>
+            <a:endParaRPr lang="en-US" dirty="0" smtClean="0"/>
           </a:p>
           <a:p>
             <a:r>
               <a:rPr lang="en-US" dirty="0"/>
-              <a:t>Traditional malware monitoring tools are installed in the physical host, however, they are vulnerable to being infected by malware and delivering erroneous results about monitoring.</a:t>
-            </a:r>
+              <a:t>Traditional malware monitoring tools are installed in the physical host, however, they are vulnerable to being infected by malware and delivering erroneous results about </a:t>
+            </a:r>
+            <a:r>
+              <a:rPr lang="en-US" dirty="0" smtClean="0"/>
+              <a:t>monitoring</a:t>
+            </a:r>
+            <a:endParaRPr lang="en-US" dirty="0"/>
           </a:p>
           <a:p>
             <a:endParaRPr lang="en-US" dirty="0" smtClean="0"/>
           </a:p>
           <a:p>
             <a:endParaRPr lang="ru-RU" dirty="0"/>
+          </a:p>
+        </p:txBody>
+      </p:sp>
+      <p:sp>
+        <p:nvSpPr>
+          <p:cNvPr id="4" name="Нижний колонтитул 3"/>
+          <p:cNvSpPr>
+            <a:spLocks noGrp="1"/>
+          </p:cNvSpPr>
+          <p:nvPr>
+            <p:ph type="ftr" sz="quarter" idx="11"/>
+          </p:nvPr>
+        </p:nvSpPr>
+        <p:spPr/>
+        <p:txBody>
+          <a:bodyPr/>
+          <a:lstStyle/>
+          <a:p>
+            <a:r>
+              <a:rPr lang="en-US" dirty="0"/>
+              <a:t>A Method for Malware Analysis by Virtual Machine Introspection </a:t>
+            </a:r>
+            <a:r>
+              <a:rPr lang="en-US" dirty="0" smtClean="0"/>
+              <a:t>Technique</a:t>
+            </a:r>
+            <a:endParaRPr lang="ru-RU" dirty="0"/>
+          </a:p>
+        </p:txBody>
+      </p:sp>
+      <p:sp>
+        <p:nvSpPr>
+          <p:cNvPr id="5" name="Номер слайда 4"/>
+          <p:cNvSpPr>
+            <a:spLocks noGrp="1"/>
+          </p:cNvSpPr>
+          <p:nvPr>
+            <p:ph type="sldNum" sz="quarter" idx="12"/>
+          </p:nvPr>
+        </p:nvSpPr>
+        <p:spPr/>
+        <p:txBody>
+          <a:bodyPr/>
+          <a:lstStyle/>
+          <a:p>
+            <a:fld id="{EE276063-744B-49AE-85F4-CD3EC9E66288}" type="slidenum">
+              <a:rPr lang="ru-RU" smtClean="0"/>
+              <a:t>3</a:t>
+            </a:fld>
+            <a:endParaRPr lang="ru-RU"/>
           </a:p>
         </p:txBody>
       </p:sp>
@@ -7506,18 +8497,68 @@
               <a:rPr lang="en-US" dirty="0" smtClean="0"/>
               <a:t>attacks</a:t>
             </a:r>
-            <a:r>
-              <a:rPr lang="ru-RU" dirty="0"/>
-              <a:t>.</a:t>
-            </a:r>
             <a:endParaRPr lang="ru-RU" dirty="0" smtClean="0"/>
           </a:p>
           <a:p>
             <a:r>
               <a:rPr lang="en-US" dirty="0"/>
-              <a:t>Our goal is to propose and experimentally test a malware monitoring method based on the virtual machine introspection method, which allows you to obtain a virtual machine memory image from the outside.</a:t>
+              <a:t>Our goal is to propose and experimentally test a malware monitoring method based on the virtual machine introspection method, which allows you to obtain a virtual machine memory image from the </a:t>
+            </a:r>
+            <a:r>
+              <a:rPr lang="en-US" dirty="0" smtClean="0"/>
+              <a:t>outside</a:t>
             </a:r>
             <a:endParaRPr lang="en-US" dirty="0" smtClean="0"/>
+          </a:p>
+        </p:txBody>
+      </p:sp>
+      <p:sp>
+        <p:nvSpPr>
+          <p:cNvPr id="4" name="Нижний колонтитул 3"/>
+          <p:cNvSpPr>
+            <a:spLocks noGrp="1"/>
+          </p:cNvSpPr>
+          <p:nvPr>
+            <p:ph type="ftr" sz="quarter" idx="11"/>
+          </p:nvPr>
+        </p:nvSpPr>
+        <p:spPr/>
+        <p:txBody>
+          <a:bodyPr/>
+          <a:lstStyle/>
+          <a:p>
+            <a:r>
+              <a:rPr lang="en-US" dirty="0"/>
+              <a:t>A Method for Malware Analysis by Virtual Machine Introspection </a:t>
+            </a:r>
+            <a:r>
+              <a:rPr lang="en-US" dirty="0" smtClean="0"/>
+              <a:t>Technique</a:t>
+            </a:r>
+            <a:endParaRPr lang="ru-RU" dirty="0"/>
+          </a:p>
+        </p:txBody>
+      </p:sp>
+      <p:sp>
+        <p:nvSpPr>
+          <p:cNvPr id="5" name="Номер слайда 4"/>
+          <p:cNvSpPr>
+            <a:spLocks noGrp="1"/>
+          </p:cNvSpPr>
+          <p:nvPr>
+            <p:ph type="sldNum" sz="quarter" idx="12"/>
+          </p:nvPr>
+        </p:nvSpPr>
+        <p:spPr/>
+        <p:txBody>
+          <a:bodyPr/>
+          <a:lstStyle/>
+          <a:p>
+            <a:fld id="{EE276063-744B-49AE-85F4-CD3EC9E66288}" type="slidenum">
+              <a:rPr lang="ru-RU" smtClean="0"/>
+              <a:t>4</a:t>
+            </a:fld>
+            <a:endParaRPr lang="ru-RU"/>
           </a:p>
         </p:txBody>
       </p:sp>
@@ -7618,8 +8659,9 @@
             </a:r>
             <a:r>
               <a:rPr lang="en-US" dirty="0" smtClean="0"/>
-              <a:t>host. </a:t>
-            </a:r>
+              <a:t>host</a:t>
+            </a:r>
+            <a:endParaRPr lang="en-US" dirty="0" smtClean="0"/>
           </a:p>
           <a:p>
             <a:r>
@@ -7631,6 +8673,56 @@
               <a:t>provides the virtual environment by means of a Virtual Machine where other programs can be executed just as they do in a real environment </a:t>
             </a:r>
             <a:endParaRPr lang="ru-RU" dirty="0"/>
+          </a:p>
+        </p:txBody>
+      </p:sp>
+      <p:sp>
+        <p:nvSpPr>
+          <p:cNvPr id="4" name="Нижний колонтитул 3"/>
+          <p:cNvSpPr>
+            <a:spLocks noGrp="1"/>
+          </p:cNvSpPr>
+          <p:nvPr>
+            <p:ph type="ftr" sz="quarter" idx="11"/>
+          </p:nvPr>
+        </p:nvSpPr>
+        <p:spPr/>
+        <p:txBody>
+          <a:bodyPr/>
+          <a:lstStyle/>
+          <a:p>
+            <a:r>
+              <a:rPr lang="en-US" dirty="0"/>
+              <a:t>A Method for Malware Analysis by Virtual Machine Introspection </a:t>
+            </a:r>
+            <a:r>
+              <a:rPr lang="en-US" dirty="0" smtClean="0"/>
+              <a:t>Technique</a:t>
+            </a:r>
+            <a:endParaRPr lang="ru-RU" dirty="0"/>
+          </a:p>
+        </p:txBody>
+      </p:sp>
+      <p:sp>
+        <p:nvSpPr>
+          <p:cNvPr id="5" name="Номер слайда 4"/>
+          <p:cNvSpPr>
+            <a:spLocks noGrp="1"/>
+          </p:cNvSpPr>
+          <p:nvPr>
+            <p:ph type="sldNum" sz="quarter" idx="12"/>
+          </p:nvPr>
+        </p:nvSpPr>
+        <p:spPr/>
+        <p:txBody>
+          <a:bodyPr/>
+          <a:lstStyle/>
+          <a:p>
+            <a:fld id="{EE276063-744B-49AE-85F4-CD3EC9E66288}" type="slidenum">
+              <a:rPr lang="ru-RU" smtClean="0"/>
+              <a:t>5</a:t>
+            </a:fld>
+            <a:endParaRPr lang="ru-RU"/>
           </a:p>
         </p:txBody>
       </p:sp>
@@ -7760,8 +8852,13 @@
             </a:r>
             <a:r>
               <a:rPr lang="en-US" dirty="0" smtClean="0"/>
-              <a:t>server environment.</a:t>
-            </a:r>
+              <a:t>server </a:t>
+            </a:r>
+            <a:r>
+              <a:rPr lang="en-US" dirty="0" smtClean="0"/>
+              <a:t>environment</a:t>
+            </a:r>
+            <a:endParaRPr lang="en-US" dirty="0" smtClean="0"/>
           </a:p>
           <a:p>
             <a:pPr marL="342900" indent="-342900">
@@ -7898,6 +8995,60 @@
           </a:p>
         </p:txBody>
       </p:sp>
+      <p:sp>
+        <p:nvSpPr>
+          <p:cNvPr id="4" name="Нижний колонтитул 3"/>
+          <p:cNvSpPr>
+            <a:spLocks noGrp="1"/>
+          </p:cNvSpPr>
+          <p:nvPr>
+            <p:ph type="ftr" sz="quarter" idx="11"/>
+          </p:nvPr>
+        </p:nvSpPr>
+        <p:spPr>
+          <a:xfrm>
+            <a:off x="365789" y="6254954"/>
+            <a:ext cx="8644320" cy="365125"/>
+          </a:xfrm>
+        </p:spPr>
+        <p:txBody>
+          <a:bodyPr/>
+          <a:lstStyle/>
+          <a:p>
+            <a:r>
+              <a:rPr lang="en-US" dirty="0"/>
+              <a:t>A Method for Malware Analysis by Virtual Machine Introspection Technique</a:t>
+            </a:r>
+            <a:endParaRPr lang="ru-RU" dirty="0"/>
+          </a:p>
+          <a:p>
+            <a:endParaRPr lang="ru-RU" dirty="0"/>
+          </a:p>
+        </p:txBody>
+      </p:sp>
+      <p:sp>
+        <p:nvSpPr>
+          <p:cNvPr id="9" name="Номер слайда 8"/>
+          <p:cNvSpPr>
+            <a:spLocks noGrp="1"/>
+          </p:cNvSpPr>
+          <p:nvPr>
+            <p:ph type="sldNum" sz="quarter" idx="12"/>
+          </p:nvPr>
+        </p:nvSpPr>
+        <p:spPr/>
+        <p:txBody>
+          <a:bodyPr/>
+          <a:lstStyle/>
+          <a:p>
+            <a:fld id="{EE276063-744B-49AE-85F4-CD3EC9E66288}" type="slidenum">
+              <a:rPr lang="ru-RU" smtClean="0"/>
+              <a:t>6</a:t>
+            </a:fld>
+            <a:endParaRPr lang="ru-RU"/>
+          </a:p>
+        </p:txBody>
+      </p:sp>
     </p:spTree>
     <p:extLst>
       <p:ext uri="{BB962C8B-B14F-4D97-AF65-F5344CB8AC3E}">
@@ -8016,7 +9167,7 @@
             </a:r>
             <a:r>
               <a:rPr lang="en-US" dirty="0" smtClean="0"/>
-              <a:t>components.</a:t>
+              <a:t>components</a:t>
             </a:r>
             <a:endParaRPr lang="ru-RU" dirty="0"/>
           </a:p>
@@ -8078,6 +9229,56 @@
               <a:t>VirtualBox</a:t>
             </a:r>
             <a:endParaRPr lang="ru-RU" dirty="0"/>
+          </a:p>
+        </p:txBody>
+      </p:sp>
+      <p:sp>
+        <p:nvSpPr>
+          <p:cNvPr id="6" name="Нижний колонтитул 5"/>
+          <p:cNvSpPr>
+            <a:spLocks noGrp="1"/>
+          </p:cNvSpPr>
+          <p:nvPr>
+            <p:ph type="ftr" sz="quarter" idx="11"/>
+          </p:nvPr>
+        </p:nvSpPr>
+        <p:spPr/>
+        <p:txBody>
+          <a:bodyPr/>
+          <a:lstStyle/>
+          <a:p>
+            <a:r>
+              <a:rPr lang="en-US" dirty="0"/>
+              <a:t>A Method for Malware Analysis by Virtual Machine Introspection </a:t>
+            </a:r>
+            <a:r>
+              <a:rPr lang="en-US" dirty="0" smtClean="0"/>
+              <a:t>Technique</a:t>
+            </a:r>
+            <a:endParaRPr lang="ru-RU" dirty="0"/>
+          </a:p>
+        </p:txBody>
+      </p:sp>
+      <p:sp>
+        <p:nvSpPr>
+          <p:cNvPr id="7" name="Номер слайда 6"/>
+          <p:cNvSpPr>
+            <a:spLocks noGrp="1"/>
+          </p:cNvSpPr>
+          <p:nvPr>
+            <p:ph type="sldNum" sz="quarter" idx="12"/>
+          </p:nvPr>
+        </p:nvSpPr>
+        <p:spPr/>
+        <p:txBody>
+          <a:bodyPr/>
+          <a:lstStyle/>
+          <a:p>
+            <a:fld id="{EE276063-744B-49AE-85F4-CD3EC9E66288}" type="slidenum">
+              <a:rPr lang="ru-RU" smtClean="0"/>
+              <a:t>7</a:t>
+            </a:fld>
+            <a:endParaRPr lang="ru-RU"/>
           </a:p>
         </p:txBody>
       </p:sp>
@@ -8162,8 +9363,9 @@
             </a:r>
             <a:r>
               <a:rPr lang="en-US" dirty="0" smtClean="0"/>
-              <a:t>layer.</a:t>
-            </a:r>
+              <a:t>layer</a:t>
+            </a:r>
+            <a:endParaRPr lang="en-US" dirty="0" smtClean="0"/>
           </a:p>
           <a:p>
             <a:r>
@@ -8172,9 +9374,59 @@
             </a:r>
             <a:r>
               <a:rPr lang="en-US" dirty="0" smtClean="0"/>
-              <a:t>forensics.</a:t>
+              <a:t>forensics</a:t>
             </a:r>
             <a:endParaRPr lang="ru-RU" dirty="0"/>
+          </a:p>
+        </p:txBody>
+      </p:sp>
+      <p:sp>
+        <p:nvSpPr>
+          <p:cNvPr id="4" name="Нижний колонтитул 3"/>
+          <p:cNvSpPr>
+            <a:spLocks noGrp="1"/>
+          </p:cNvSpPr>
+          <p:nvPr>
+            <p:ph type="ftr" sz="quarter" idx="11"/>
+          </p:nvPr>
+        </p:nvSpPr>
+        <p:spPr/>
+        <p:txBody>
+          <a:bodyPr/>
+          <a:lstStyle/>
+          <a:p>
+            <a:r>
+              <a:rPr lang="en-US" dirty="0"/>
+              <a:t>A Method for Malware Analysis by Virtual Machine Introspection </a:t>
+            </a:r>
+            <a:r>
+              <a:rPr lang="en-US" dirty="0" smtClean="0"/>
+              <a:t>Technique</a:t>
+            </a:r>
+            <a:endParaRPr lang="ru-RU" dirty="0"/>
+          </a:p>
+        </p:txBody>
+      </p:sp>
+      <p:sp>
+        <p:nvSpPr>
+          <p:cNvPr id="5" name="Номер слайда 4"/>
+          <p:cNvSpPr>
+            <a:spLocks noGrp="1"/>
+          </p:cNvSpPr>
+          <p:nvPr>
+            <p:ph type="sldNum" sz="quarter" idx="12"/>
+          </p:nvPr>
+        </p:nvSpPr>
+        <p:spPr/>
+        <p:txBody>
+          <a:bodyPr/>
+          <a:lstStyle/>
+          <a:p>
+            <a:fld id="{EE276063-744B-49AE-85F4-CD3EC9E66288}" type="slidenum">
+              <a:rPr lang="ru-RU" smtClean="0"/>
+              <a:t>8</a:t>
+            </a:fld>
+            <a:endParaRPr lang="ru-RU"/>
           </a:p>
         </p:txBody>
       </p:sp>
@@ -8250,8 +9502,8 @@
         </p:nvSpPr>
         <p:spPr>
           <a:xfrm>
-            <a:off x="647262" y="2279437"/>
-            <a:ext cx="10554574" cy="3636511"/>
+            <a:off x="647262" y="2814638"/>
+            <a:ext cx="10554574" cy="3101310"/>
           </a:xfrm>
         </p:spPr>
         <p:txBody>
@@ -8295,7 +9547,7 @@
             </a:r>
             <a:r>
               <a:rPr lang="en-US" dirty="0" smtClean="0"/>
-              <a:t>memory.</a:t>
+              <a:t>memory</a:t>
             </a:r>
             <a:endParaRPr lang="ru-RU" dirty="0" smtClean="0"/>
           </a:p>
@@ -8328,7 +9580,7 @@
             </a:r>
             <a:r>
               <a:rPr lang="en-US" dirty="0" smtClean="0"/>
-              <a:t>analysis.</a:t>
+              <a:t>analysis</a:t>
             </a:r>
             <a:endParaRPr lang="ru-RU" dirty="0" smtClean="0"/>
           </a:p>
@@ -8351,7 +9603,91 @@
             </a:r>
             <a:r>
               <a:rPr lang="en-US" dirty="0"/>
-              <a:t> mechanism sends a killing command to finish the malware execution from outside the Virtual Machine.</a:t>
+              <a:t> mechanism sends a killing command to finish the malware execution from outside the Virtual </a:t>
+            </a:r>
+            <a:r>
+              <a:rPr lang="en-US" dirty="0" smtClean="0"/>
+              <a:t>Machine</a:t>
+            </a:r>
+            <a:endParaRPr lang="ru-RU" dirty="0"/>
+          </a:p>
+        </p:txBody>
+      </p:sp>
+      <p:sp>
+        <p:nvSpPr>
+          <p:cNvPr id="4" name="Нижний колонтитул 3"/>
+          <p:cNvSpPr>
+            <a:spLocks noGrp="1"/>
+          </p:cNvSpPr>
+          <p:nvPr>
+            <p:ph type="ftr" sz="quarter" idx="11"/>
+          </p:nvPr>
+        </p:nvSpPr>
+        <p:spPr/>
+        <p:txBody>
+          <a:bodyPr/>
+          <a:lstStyle/>
+          <a:p>
+            <a:r>
+              <a:rPr lang="en-US" dirty="0"/>
+              <a:t>A Method for Malware Analysis by Virtual Machine Introspection </a:t>
+            </a:r>
+            <a:r>
+              <a:rPr lang="en-US" dirty="0" smtClean="0"/>
+              <a:t>Technique</a:t>
+            </a:r>
+            <a:endParaRPr lang="ru-RU" dirty="0"/>
+          </a:p>
+        </p:txBody>
+      </p:sp>
+      <p:sp>
+        <p:nvSpPr>
+          <p:cNvPr id="5" name="Номер слайда 4"/>
+          <p:cNvSpPr>
+            <a:spLocks noGrp="1"/>
+          </p:cNvSpPr>
+          <p:nvPr>
+            <p:ph type="sldNum" sz="quarter" idx="12"/>
+          </p:nvPr>
+        </p:nvSpPr>
+        <p:spPr/>
+        <p:txBody>
+          <a:bodyPr/>
+          <a:lstStyle/>
+          <a:p>
+            <a:fld id="{EE276063-744B-49AE-85F4-CD3EC9E66288}" type="slidenum">
+              <a:rPr lang="ru-RU" smtClean="0"/>
+              <a:t>9</a:t>
+            </a:fld>
+            <a:endParaRPr lang="ru-RU"/>
+          </a:p>
+        </p:txBody>
+      </p:sp>
+      <p:sp>
+        <p:nvSpPr>
+          <p:cNvPr id="6" name="TextBox 5"/>
+          <p:cNvSpPr txBox="1"/>
+          <p:nvPr/>
+        </p:nvSpPr>
+        <p:spPr>
+          <a:xfrm>
+            <a:off x="647262" y="2445306"/>
+            <a:ext cx="9519863" cy="369332"/>
+          </a:xfrm>
+          <a:prstGeom prst="rect">
+            <a:avLst/>
+          </a:prstGeom>
+          <a:noFill/>
+        </p:spPr>
+        <p:txBody>
+          <a:bodyPr wrap="square" rtlCol="0">
+            <a:spAutoFit/>
+          </a:bodyPr>
+          <a:lstStyle/>
+          <a:p>
+            <a:r>
+              <a:rPr lang="en-US" dirty="0"/>
+              <a:t>The virtual machine introspection method consists of the following five steps:</a:t>
             </a:r>
             <a:endParaRPr lang="ru-RU" dirty="0"/>
           </a:p>
@@ -8612,4 +9948,265 @@
     </a:ext>
   </a:extLst>
 </a:theme>
+</file>
+
+<file path=ppt/theme/theme2.xml><?xml version="1.0" encoding="utf-8"?>
+<a:theme xmlns:a="http://schemas.openxmlformats.org/drawingml/2006/main" name="Тема Office">
+  <a:themeElements>
+    <a:clrScheme name="Стандартная">
+      <a:dk1>
+        <a:sysClr val="windowText" lastClr="000000"/>
+      </a:dk1>
+      <a:lt1>
+        <a:sysClr val="window" lastClr="FFFFFF"/>
+      </a:lt1>
+      <a:dk2>
+        <a:srgbClr val="44546A"/>
+      </a:dk2>
+      <a:lt2>
+        <a:srgbClr val="E7E6E6"/>
+      </a:lt2>
+      <a:accent1>
+        <a:srgbClr val="5B9BD5"/>
+      </a:accent1>
+      <a:accent2>
+        <a:srgbClr val="ED7D31"/>
+      </a:accent2>
+      <a:accent3>
+        <a:srgbClr val="A5A5A5"/>
+      </a:accent3>
+      <a:accent4>
+        <a:srgbClr val="FFC000"/>
+      </a:accent4>
+      <a:accent5>
+        <a:srgbClr val="4472C4"/>
+      </a:accent5>
+      <a:accent6>
+        <a:srgbClr val="70AD47"/>
+      </a:accent6>
+      <a:hlink>
+        <a:srgbClr val="0563C1"/>
+      </a:hlink>
+      <a:folHlink>
+        <a:srgbClr val="954F72"/>
+      </a:folHlink>
+    </a:clrScheme>
+    <a:fontScheme name="Стандартная">
+      <a:majorFont>
+        <a:latin typeface="Calibri Light" panose="020F0302020204030204"/>
+        <a:ea typeface=""/>
+        <a:cs typeface=""/>
+        <a:font script="Jpan" typeface="ＭＳ Ｐゴシック"/>
+        <a:font script="Hang" typeface="맑은 고딕"/>
+        <a:font script="Hans" typeface="宋体"/>
+        <a:font script="Hant" typeface="新細明體"/>
+        <a:font script="Arab" typeface="Times New Roman"/>
+        <a:font script="Hebr" typeface="Times New Roman"/>
+        <a:font script="Thai" typeface="Angsana New"/>
+        <a:font script="Ethi" typeface="Nyala"/>
+        <a:font script="Beng" typeface="Vrinda"/>
+        <a:font script="Gujr" typeface="Shruti"/>
+        <a:font script="Khmr" typeface="MoolBoran"/>
+        <a:font script="Knda" typeface="Tunga"/>
+        <a:font script="Guru" typeface="Raavi"/>
+        <a:font script="Cans" typeface="Euphemia"/>
+        <a:font script="Cher" typeface="Plantagenet Cherokee"/>
+        <a:font script="Yiii" typeface="Microsoft Yi Baiti"/>
+        <a:font script="Tibt" typeface="Microsoft Himalaya"/>
+        <a:font script="Thaa" typeface="MV Boli"/>
+        <a:font script="Deva" typeface="Mangal"/>
+        <a:font script="Telu" typeface="Gautami"/>
+        <a:font script="Taml" typeface="Latha"/>
+        <a:font script="Syrc" typeface="Estrangelo Edessa"/>
+        <a:font script="Orya" typeface="Kalinga"/>
+        <a:font script="Mlym" typeface="Kartika"/>
+        <a:font script="Laoo" typeface="DokChampa"/>
+        <a:font script="Sinh" typeface="Iskoola Pota"/>
+        <a:font script="Mong" typeface="Mongolian Baiti"/>
+        <a:font script="Viet" typeface="Times New Roman"/>
+        <a:font script="Uigh" typeface="Microsoft Uighur"/>
+        <a:font script="Geor" typeface="Sylfaen"/>
+      </a:majorFont>
+      <a:minorFont>
+        <a:latin typeface="Calibri" panose="020F0502020204030204"/>
+        <a:ea typeface=""/>
+        <a:cs typeface=""/>
+        <a:font script="Jpan" typeface="ＭＳ Ｐゴシック"/>
+        <a:font script="Hang" typeface="맑은 고딕"/>
+        <a:font script="Hans" typeface="宋体"/>
+        <a:font script="Hant" typeface="新細明體"/>
+        <a:font script="Arab" typeface="Arial"/>
+        <a:font script="Hebr" typeface="Arial"/>
+        <a:font script="Thai" typeface="Cordia New"/>
+        <a:font script="Ethi" typeface="Nyala"/>
+        <a:font script="Beng" typeface="Vrinda"/>
+        <a:font script="Gujr" typeface="Shruti"/>
+        <a:font script="Khmr" typeface="DaunPenh"/>
+        <a:font script="Knda" typeface="Tunga"/>
+        <a:font script="Guru" typeface="Raavi"/>
+        <a:font script="Cans" typeface="Euphemia"/>
+        <a:font script="Cher" typeface="Plantagenet Cherokee"/>
+        <a:font script="Yiii" typeface="Microsoft Yi Baiti"/>
+        <a:font script="Tibt" typeface="Microsoft Himalaya"/>
+        <a:font script="Thaa" typeface="MV Boli"/>
+        <a:font script="Deva" typeface="Mangal"/>
+        <a:font script="Telu" typeface="Gautami"/>
+        <a:font script="Taml" typeface="Latha"/>
+        <a:font script="Syrc" typeface="Estrangelo Edessa"/>
+        <a:font script="Orya" typeface="Kalinga"/>
+        <a:font script="Mlym" typeface="Kartika"/>
+        <a:font script="Laoo" typeface="DokChampa"/>
+        <a:font script="Sinh" typeface="Iskoola Pota"/>
+        <a:font script="Mong" typeface="Mongolian Baiti"/>
+        <a:font script="Viet" typeface="Arial"/>
+        <a:font script="Uigh" typeface="Microsoft Uighur"/>
+        <a:font script="Geor" typeface="Sylfaen"/>
+      </a:minorFont>
+    </a:fontScheme>
+    <a:fmtScheme name="Стандартная">
+      <a:fillStyleLst>
+        <a:solidFill>
+          <a:schemeClr val="phClr"/>
+        </a:solidFill>
+        <a:gradFill rotWithShape="1">
+          <a:gsLst>
+            <a:gs pos="0">
+              <a:schemeClr val="phClr">
+                <a:lumMod val="110000"/>
+                <a:satMod val="105000"/>
+                <a:tint val="67000"/>
+              </a:schemeClr>
+            </a:gs>
+            <a:gs pos="50000">
+              <a:schemeClr val="phClr">
+                <a:lumMod val="105000"/>
+                <a:satMod val="103000"/>
+                <a:tint val="73000"/>
+              </a:schemeClr>
+            </a:gs>
+            <a:gs pos="100000">
+              <a:schemeClr val="phClr">
+                <a:lumMod val="105000"/>
+                <a:satMod val="109000"/>
+                <a:tint val="81000"/>
+              </a:schemeClr>
+            </a:gs>
+          </a:gsLst>
+          <a:lin ang="5400000" scaled="0"/>
+        </a:gradFill>
+        <a:gradFill rotWithShape="1">
+          <a:gsLst>
+            <a:gs pos="0">
+              <a:schemeClr val="phClr">
+                <a:satMod val="103000"/>
+                <a:lumMod val="102000"/>
+                <a:tint val="94000"/>
+              </a:schemeClr>
+            </a:gs>
+            <a:gs pos="50000">
+              <a:schemeClr val="phClr">
+                <a:satMod val="110000"/>
+                <a:lumMod val="100000"/>
+                <a:shade val="100000"/>
+              </a:schemeClr>
+            </a:gs>
+            <a:gs pos="100000">
+              <a:schemeClr val="phClr">
+                <a:lumMod val="99000"/>
+                <a:satMod val="120000"/>
+                <a:shade val="78000"/>
+              </a:schemeClr>
+            </a:gs>
+          </a:gsLst>
+          <a:lin ang="5400000" scaled="0"/>
+        </a:gradFill>
+      </a:fillStyleLst>
+      <a:lnStyleLst>
+        <a:ln w="6350" cap="flat" cmpd="sng" algn="ctr">
+          <a:solidFill>
+            <a:schemeClr val="phClr"/>
+          </a:solidFill>
+          <a:prstDash val="solid"/>
+          <a:miter lim="800000"/>
+        </a:ln>
+        <a:ln w="12700" cap="flat" cmpd="sng" algn="ctr">
+          <a:solidFill>
+            <a:schemeClr val="phClr"/>
+          </a:solidFill>
+          <a:prstDash val="solid"/>
+          <a:miter lim="800000"/>
+        </a:ln>
+        <a:ln w="19050" cap="flat" cmpd="sng" algn="ctr">
+          <a:solidFill>
+            <a:schemeClr val="phClr"/>
+          </a:solidFill>
+          <a:prstDash val="solid"/>
+          <a:miter lim="800000"/>
+        </a:ln>
+      </a:lnStyleLst>
+      <a:effectStyleLst>
+        <a:effectStyle>
+          <a:effectLst/>
+        </a:effectStyle>
+        <a:effectStyle>
+          <a:effectLst/>
+        </a:effectStyle>
+        <a:effectStyle>
+          <a:effectLst>
+            <a:outerShdw blurRad="57150" dist="19050" dir="5400000" algn="ctr" rotWithShape="0">
+              <a:srgbClr val="000000">
+                <a:alpha val="63000"/>
+              </a:srgbClr>
+            </a:outerShdw>
+          </a:effectLst>
+        </a:effectStyle>
+      </a:effectStyleLst>
+      <a:bgFillStyleLst>
+        <a:solidFill>
+          <a:schemeClr val="phClr"/>
+        </a:solidFill>
+        <a:solidFill>
+          <a:schemeClr val="phClr">
+            <a:tint val="95000"/>
+            <a:satMod val="170000"/>
+          </a:schemeClr>
+        </a:solidFill>
+        <a:gradFill rotWithShape="1">
+          <a:gsLst>
+            <a:gs pos="0">
+              <a:schemeClr val="phClr">
+                <a:tint val="93000"/>
+                <a:satMod val="150000"/>
+                <a:shade val="98000"/>
+                <a:lumMod val="102000"/>
+              </a:schemeClr>
+            </a:gs>
+            <a:gs pos="50000">
+              <a:schemeClr val="phClr">
+                <a:tint val="98000"/>
+                <a:satMod val="130000"/>
+                <a:shade val="90000"/>
+                <a:lumMod val="103000"/>
+              </a:schemeClr>
+            </a:gs>
+            <a:gs pos="100000">
+              <a:schemeClr val="phClr">
+                <a:shade val="63000"/>
+                <a:satMod val="120000"/>
+              </a:schemeClr>
+            </a:gs>
+          </a:gsLst>
+          <a:lin ang="5400000" scaled="0"/>
+        </a:gradFill>
+      </a:bgFillStyleLst>
+    </a:fmtScheme>
+  </a:themeElements>
+  <a:objectDefaults/>
+  <a:extraClrSchemeLst/>
+  <a:extLst>
+    <a:ext uri="{05A4C25C-085E-4340-85A3-A5531E510DB2}">
+      <thm15:themeFamily xmlns:thm15="http://schemas.microsoft.com/office/thememl/2012/main" name="Office Theme" id="{62F939B6-93AF-4DB8-9C6B-D6C7DFDC589F}" vid="{4A3C46E8-61CC-4603-A589-7422A47A8E4A}"/>
+    </a:ext>
+  </a:extLst>
+</a:theme>
 </file>
--- a/lab3 V2.pptx
+++ b/lab3 V2.pptx
@@ -542,6 +542,174 @@
           <a:p>
             <a:fld id="{71EC2C7A-246B-4906-AB24-4BAE7C273503}" type="slidenum">
               <a:rPr lang="ru-RU" smtClean="0"/>
+              <a:t>1</a:t>
+            </a:fld>
+            <a:endParaRPr lang="ru-RU"/>
+          </a:p>
+        </p:txBody>
+      </p:sp>
+    </p:spTree>
+    <p:extLst>
+      <p:ext uri="{BB962C8B-B14F-4D97-AF65-F5344CB8AC3E}">
+        <p14:creationId xmlns:p14="http://schemas.microsoft.com/office/powerpoint/2010/main" val="319325896"/>
+      </p:ext>
+    </p:extLst>
+  </p:cSld>
+  <p:clrMapOvr>
+    <a:masterClrMapping/>
+  </p:clrMapOvr>
+</p:notes>
+</file>
+
+<file path=ppt/notesSlides/notesSlide2.xml><?xml version="1.0" encoding="utf-8"?>
+<p:notes xmlns:a="http://schemas.openxmlformats.org/drawingml/2006/main" xmlns:r="http://schemas.openxmlformats.org/officeDocument/2006/relationships" xmlns:p="http://schemas.openxmlformats.org/presentationml/2006/main">
+  <p:cSld>
+    <p:spTree>
+      <p:nvGrpSpPr>
+        <p:cNvPr id="1" name=""/>
+        <p:cNvGrpSpPr/>
+        <p:nvPr/>
+      </p:nvGrpSpPr>
+      <p:grpSpPr>
+        <a:xfrm>
+          <a:off x="0" y="0"/>
+          <a:ext cx="0" cy="0"/>
+          <a:chOff x="0" y="0"/>
+          <a:chExt cx="0" cy="0"/>
+        </a:xfrm>
+      </p:grpSpPr>
+      <p:sp>
+        <p:nvSpPr>
+          <p:cNvPr id="2" name="Образ слайда 1"/>
+          <p:cNvSpPr>
+            <a:spLocks noGrp="1" noRot="1" noChangeAspect="1"/>
+          </p:cNvSpPr>
+          <p:nvPr>
+            <p:ph type="sldImg"/>
+          </p:nvPr>
+        </p:nvSpPr>
+        <p:spPr/>
+      </p:sp>
+      <p:sp>
+        <p:nvSpPr>
+          <p:cNvPr id="3" name="Заметки 2"/>
+          <p:cNvSpPr>
+            <a:spLocks noGrp="1"/>
+          </p:cNvSpPr>
+          <p:nvPr>
+            <p:ph type="body" idx="1"/>
+          </p:nvPr>
+        </p:nvSpPr>
+        <p:spPr/>
+        <p:txBody>
+          <a:bodyPr/>
+          <a:lstStyle/>
+          <a:p>
+            <a:endParaRPr lang="ru-RU"/>
+          </a:p>
+        </p:txBody>
+      </p:sp>
+      <p:sp>
+        <p:nvSpPr>
+          <p:cNvPr id="4" name="Номер слайда 3"/>
+          <p:cNvSpPr>
+            <a:spLocks noGrp="1"/>
+          </p:cNvSpPr>
+          <p:nvPr>
+            <p:ph type="sldNum" sz="quarter" idx="10"/>
+          </p:nvPr>
+        </p:nvSpPr>
+        <p:spPr/>
+        <p:txBody>
+          <a:bodyPr/>
+          <a:lstStyle/>
+          <a:p>
+            <a:fld id="{71EC2C7A-246B-4906-AB24-4BAE7C273503}" type="slidenum">
+              <a:rPr lang="ru-RU" smtClean="0"/>
+              <a:t>2</a:t>
+            </a:fld>
+            <a:endParaRPr lang="ru-RU"/>
+          </a:p>
+        </p:txBody>
+      </p:sp>
+    </p:spTree>
+    <p:extLst>
+      <p:ext uri="{BB962C8B-B14F-4D97-AF65-F5344CB8AC3E}">
+        <p14:creationId xmlns:p14="http://schemas.microsoft.com/office/powerpoint/2010/main" val="3671100052"/>
+      </p:ext>
+    </p:extLst>
+  </p:cSld>
+  <p:clrMapOvr>
+    <a:masterClrMapping/>
+  </p:clrMapOvr>
+</p:notes>
+</file>
+
+<file path=ppt/notesSlides/notesSlide3.xml><?xml version="1.0" encoding="utf-8"?>
+<p:notes xmlns:a="http://schemas.openxmlformats.org/drawingml/2006/main" xmlns:r="http://schemas.openxmlformats.org/officeDocument/2006/relationships" xmlns:p="http://schemas.openxmlformats.org/presentationml/2006/main">
+  <p:cSld>
+    <p:spTree>
+      <p:nvGrpSpPr>
+        <p:cNvPr id="1" name=""/>
+        <p:cNvGrpSpPr/>
+        <p:nvPr/>
+      </p:nvGrpSpPr>
+      <p:grpSpPr>
+        <a:xfrm>
+          <a:off x="0" y="0"/>
+          <a:ext cx="0" cy="0"/>
+          <a:chOff x="0" y="0"/>
+          <a:chExt cx="0" cy="0"/>
+        </a:xfrm>
+      </p:grpSpPr>
+      <p:sp>
+        <p:nvSpPr>
+          <p:cNvPr id="2" name="Образ слайда 1"/>
+          <p:cNvSpPr>
+            <a:spLocks noGrp="1" noRot="1" noChangeAspect="1"/>
+          </p:cNvSpPr>
+          <p:nvPr>
+            <p:ph type="sldImg"/>
+          </p:nvPr>
+        </p:nvSpPr>
+        <p:spPr/>
+      </p:sp>
+      <p:sp>
+        <p:nvSpPr>
+          <p:cNvPr id="3" name="Заметки 2"/>
+          <p:cNvSpPr>
+            <a:spLocks noGrp="1"/>
+          </p:cNvSpPr>
+          <p:nvPr>
+            <p:ph type="body" idx="1"/>
+          </p:nvPr>
+        </p:nvSpPr>
+        <p:spPr/>
+        <p:txBody>
+          <a:bodyPr/>
+          <a:lstStyle/>
+          <a:p>
+            <a:endParaRPr lang="ru-RU"/>
+          </a:p>
+        </p:txBody>
+      </p:sp>
+      <p:sp>
+        <p:nvSpPr>
+          <p:cNvPr id="4" name="Номер слайда 3"/>
+          <p:cNvSpPr>
+            <a:spLocks noGrp="1"/>
+          </p:cNvSpPr>
+          <p:nvPr>
+            <p:ph type="sldNum" sz="quarter" idx="10"/>
+          </p:nvPr>
+        </p:nvSpPr>
+        <p:spPr/>
+        <p:txBody>
+          <a:bodyPr/>
+          <a:lstStyle/>
+          <a:p>
+            <a:fld id="{71EC2C7A-246B-4906-AB24-4BAE7C273503}" type="slidenum">
+              <a:rPr lang="ru-RU" smtClean="0"/>
               <a:t>8</a:t>
             </a:fld>
             <a:endParaRPr lang="ru-RU"/>
@@ -552,6 +720,90 @@
     <p:extLst>
       <p:ext uri="{BB962C8B-B14F-4D97-AF65-F5344CB8AC3E}">
         <p14:creationId xmlns:p14="http://schemas.microsoft.com/office/powerpoint/2010/main" val="2619381089"/>
+      </p:ext>
+    </p:extLst>
+  </p:cSld>
+  <p:clrMapOvr>
+    <a:masterClrMapping/>
+  </p:clrMapOvr>
+</p:notes>
+</file>
+
+<file path=ppt/notesSlides/notesSlide4.xml><?xml version="1.0" encoding="utf-8"?>
+<p:notes xmlns:a="http://schemas.openxmlformats.org/drawingml/2006/main" xmlns:r="http://schemas.openxmlformats.org/officeDocument/2006/relationships" xmlns:p="http://schemas.openxmlformats.org/presentationml/2006/main">
+  <p:cSld>
+    <p:spTree>
+      <p:nvGrpSpPr>
+        <p:cNvPr id="1" name=""/>
+        <p:cNvGrpSpPr/>
+        <p:nvPr/>
+      </p:nvGrpSpPr>
+      <p:grpSpPr>
+        <a:xfrm>
+          <a:off x="0" y="0"/>
+          <a:ext cx="0" cy="0"/>
+          <a:chOff x="0" y="0"/>
+          <a:chExt cx="0" cy="0"/>
+        </a:xfrm>
+      </p:grpSpPr>
+      <p:sp>
+        <p:nvSpPr>
+          <p:cNvPr id="2" name="Образ слайда 1"/>
+          <p:cNvSpPr>
+            <a:spLocks noGrp="1" noRot="1" noChangeAspect="1"/>
+          </p:cNvSpPr>
+          <p:nvPr>
+            <p:ph type="sldImg"/>
+          </p:nvPr>
+        </p:nvSpPr>
+        <p:spPr/>
+      </p:sp>
+      <p:sp>
+        <p:nvSpPr>
+          <p:cNvPr id="3" name="Заметки 2"/>
+          <p:cNvSpPr>
+            <a:spLocks noGrp="1"/>
+          </p:cNvSpPr>
+          <p:nvPr>
+            <p:ph type="body" idx="1"/>
+          </p:nvPr>
+        </p:nvSpPr>
+        <p:spPr/>
+        <p:txBody>
+          <a:bodyPr/>
+          <a:lstStyle/>
+          <a:p>
+            <a:endParaRPr lang="ru-RU"/>
+          </a:p>
+        </p:txBody>
+      </p:sp>
+      <p:sp>
+        <p:nvSpPr>
+          <p:cNvPr id="4" name="Номер слайда 3"/>
+          <p:cNvSpPr>
+            <a:spLocks noGrp="1"/>
+          </p:cNvSpPr>
+          <p:nvPr>
+            <p:ph type="sldNum" sz="quarter" idx="10"/>
+          </p:nvPr>
+        </p:nvSpPr>
+        <p:spPr/>
+        <p:txBody>
+          <a:bodyPr/>
+          <a:lstStyle/>
+          <a:p>
+            <a:fld id="{71EC2C7A-246B-4906-AB24-4BAE7C273503}" type="slidenum">
+              <a:rPr lang="ru-RU" smtClean="0"/>
+              <a:t>11</a:t>
+            </a:fld>
+            <a:endParaRPr lang="ru-RU"/>
+          </a:p>
+        </p:txBody>
+      </p:sp>
+    </p:spTree>
+    <p:extLst>
+      <p:ext uri="{BB962C8B-B14F-4D97-AF65-F5344CB8AC3E}">
+        <p14:creationId xmlns:p14="http://schemas.microsoft.com/office/powerpoint/2010/main" val="474785742"/>
       </p:ext>
     </p:extLst>
   </p:cSld>
@@ -656,7 +908,7 @@
           <a:effectLst/>
           <a:extLst>
             <a:ext uri="{91240B29-F687-4f45-9708-019B960494DF}">
-              <a14:hiddenLine xmlns:a14="http://schemas.microsoft.com/office/drawing/2010/main" xmlns="" w="9525">
+              <a14:hiddenLine xmlns="" xmlns:a14="http://schemas.microsoft.com/office/drawing/2010/main" w="9525">
                 <a:solidFill>
                   <a:srgbClr val="000000"/>
                 </a:solidFill>
@@ -846,7 +1098,7 @@
           <a:bodyPr/>
           <a:lstStyle/>
           <a:p>
-            <a:fld id="{FDBC71D2-100D-493E-B247-30E958335B1E}" type="datetime1">
+            <a:fld id="{3AA1C75D-5E50-4FD3-867A-84BA7B99A4B2}" type="datetime1">
               <a:rPr lang="ru-RU" smtClean="0"/>
               <a:t>01.06.2024</a:t>
             </a:fld>
@@ -869,6 +1121,10 @@
           <a:bodyPr/>
           <a:lstStyle/>
           <a:p>
+            <a:r>
+              <a:rPr lang="en-US" smtClean="0"/>
+              <a:t>A Method for Malware Analysis by Virtual Machine Introspection Technique</a:t>
+            </a:r>
             <a:endParaRPr lang="ru-RU"/>
           </a:p>
         </p:txBody>
@@ -1164,7 +1420,7 @@
           <a:bodyPr/>
           <a:lstStyle/>
           <a:p>
-            <a:fld id="{9348A67C-CEDD-48A9-83CB-9563CC32A7BA}" type="datetime1">
+            <a:fld id="{FD858288-8526-44E0-B43F-A027A1F2B215}" type="datetime1">
               <a:rPr lang="ru-RU" smtClean="0"/>
               <a:t>01.06.2024</a:t>
             </a:fld>
@@ -1187,6 +1443,10 @@
           <a:bodyPr/>
           <a:lstStyle/>
           <a:p>
+            <a:r>
+              <a:rPr lang="en-US" smtClean="0"/>
+              <a:t>A Method for Malware Analysis by Virtual Machine Introspection Technique</a:t>
+            </a:r>
             <a:endParaRPr lang="ru-RU"/>
           </a:p>
         </p:txBody>
@@ -1652,7 +1912,7 @@
           <a:bodyPr/>
           <a:lstStyle/>
           <a:p>
-            <a:fld id="{40BAA11C-2794-440B-A42B-267C27A16A27}" type="datetime1">
+            <a:fld id="{7B953F7A-7FE7-45FF-979A-D90E2CB91786}" type="datetime1">
               <a:rPr lang="ru-RU" smtClean="0"/>
               <a:t>01.06.2024</a:t>
             </a:fld>
@@ -1675,6 +1935,10 @@
           <a:bodyPr/>
           <a:lstStyle/>
           <a:p>
+            <a:r>
+              <a:rPr lang="en-US" smtClean="0"/>
+              <a:t>A Method for Malware Analysis by Virtual Machine Introspection Technique</a:t>
+            </a:r>
             <a:endParaRPr lang="ru-RU"/>
           </a:p>
         </p:txBody>
@@ -2021,7 +2285,7 @@
           <a:bodyPr/>
           <a:lstStyle/>
           <a:p>
-            <a:fld id="{996F0635-7A5B-4C80-846D-D197623765B7}" type="datetime1">
+            <a:fld id="{5F768940-3A07-4B95-B4E2-6869E9B60671}" type="datetime1">
               <a:rPr lang="ru-RU" smtClean="0"/>
               <a:t>01.06.2024</a:t>
             </a:fld>
@@ -2044,6 +2308,10 @@
           <a:bodyPr/>
           <a:lstStyle/>
           <a:p>
+            <a:r>
+              <a:rPr lang="en-US" smtClean="0"/>
+              <a:t>A Method for Malware Analysis by Virtual Machine Introspection Technique</a:t>
+            </a:r>
             <a:endParaRPr lang="ru-RU"/>
           </a:p>
         </p:txBody>
@@ -2178,7 +2446,7 @@
           <a:ln/>
           <a:extLst>
             <a:ext uri="{91240B29-F687-4f45-9708-019B960494DF}">
-              <a14:hiddenLine xmlns:a14="http://schemas.microsoft.com/office/drawing/2010/main" xmlns="" w="9525">
+              <a14:hiddenLine xmlns="" xmlns:a14="http://schemas.microsoft.com/office/drawing/2010/main" w="9525">
                 <a:solidFill>
                   <a:srgbClr val="000000"/>
                 </a:solidFill>
@@ -2294,7 +2562,7 @@
           <a:bodyPr/>
           <a:lstStyle/>
           <a:p>
-            <a:fld id="{460102B1-21C7-487D-8B90-660E7CE0D11D}" type="datetime1">
+            <a:fld id="{A26FD815-DD62-4F96-9C08-8D3B4128DE56}" type="datetime1">
               <a:rPr lang="ru-RU" smtClean="0"/>
               <a:t>01.06.2024</a:t>
             </a:fld>
@@ -2317,6 +2585,10 @@
           <a:bodyPr/>
           <a:lstStyle/>
           <a:p>
+            <a:r>
+              <a:rPr lang="en-US" smtClean="0"/>
+              <a:t>A Method for Malware Analysis by Virtual Machine Introspection Technique</a:t>
+            </a:r>
             <a:endParaRPr lang="ru-RU"/>
           </a:p>
         </p:txBody>
@@ -2453,7 +2725,7 @@
           <a:ln/>
           <a:extLst>
             <a:ext uri="{91240B29-F687-4f45-9708-019B960494DF}">
-              <a14:hiddenLine xmlns:a14="http://schemas.microsoft.com/office/drawing/2010/main" xmlns="" w="9525">
+              <a14:hiddenLine xmlns="" xmlns:a14="http://schemas.microsoft.com/office/drawing/2010/main" w="9525">
                 <a:solidFill>
                   <a:srgbClr val="000000"/>
                 </a:solidFill>
@@ -2579,7 +2851,7 @@
           <a:bodyPr/>
           <a:lstStyle/>
           <a:p>
-            <a:fld id="{D6E035AA-6866-466E-9EA9-B97F9003ADDD}" type="datetime1">
+            <a:fld id="{EBE3E913-740A-4D3C-83CD-60163E0F63F6}" type="datetime1">
               <a:rPr lang="ru-RU" smtClean="0"/>
               <a:t>01.06.2024</a:t>
             </a:fld>
@@ -2602,6 +2874,10 @@
           <a:bodyPr/>
           <a:lstStyle/>
           <a:p>
+            <a:r>
+              <a:rPr lang="en-US" smtClean="0"/>
+              <a:t>A Method for Malware Analysis by Virtual Machine Introspection Technique</a:t>
+            </a:r>
             <a:endParaRPr lang="ru-RU"/>
           </a:p>
         </p:txBody>
@@ -2736,7 +3012,7 @@
           <a:ln/>
           <a:extLst>
             <a:ext uri="{91240B29-F687-4f45-9708-019B960494DF}">
-              <a14:hiddenLine xmlns:a14="http://schemas.microsoft.com/office/drawing/2010/main" xmlns="" w="9525">
+              <a14:hiddenLine xmlns="" xmlns:a14="http://schemas.microsoft.com/office/drawing/2010/main" w="9525">
                 <a:solidFill>
                   <a:srgbClr val="000000"/>
                 </a:solidFill>
@@ -2862,7 +3138,7 @@
           <a:bodyPr/>
           <a:lstStyle/>
           <a:p>
-            <a:fld id="{2AB92288-1E59-4B74-8C7E-35A13D359698}" type="datetime1">
+            <a:fld id="{B359F22D-9AA8-45BF-9959-1479E60A2657}" type="datetime1">
               <a:rPr lang="ru-RU" smtClean="0"/>
               <a:t>01.06.2024</a:t>
             </a:fld>
@@ -2885,6 +3161,10 @@
           <a:bodyPr/>
           <a:lstStyle/>
           <a:p>
+            <a:r>
+              <a:rPr lang="en-US" smtClean="0"/>
+              <a:t>A Method for Malware Analysis by Virtual Machine Introspection Technique</a:t>
+            </a:r>
             <a:endParaRPr lang="ru-RU"/>
           </a:p>
         </p:txBody>
@@ -3205,7 +3485,7 @@
           <a:bodyPr/>
           <a:lstStyle/>
           <a:p>
-            <a:fld id="{A879063C-6108-416A-AE38-F77BDBE713E7}" type="datetime1">
+            <a:fld id="{AFB5CF64-B143-4A7A-B7B6-8B32BBEEABDE}" type="datetime1">
               <a:rPr lang="ru-RU" smtClean="0"/>
               <a:t>01.06.2024</a:t>
             </a:fld>
@@ -3228,6 +3508,10 @@
           <a:bodyPr/>
           <a:lstStyle/>
           <a:p>
+            <a:r>
+              <a:rPr lang="en-US" smtClean="0"/>
+              <a:t>A Method for Malware Analysis by Virtual Machine Introspection Technique</a:t>
+            </a:r>
             <a:endParaRPr lang="ru-RU"/>
           </a:p>
         </p:txBody>
@@ -3362,7 +3646,7 @@
           <a:ln/>
           <a:extLst>
             <a:ext uri="{91240B29-F687-4f45-9708-019B960494DF}">
-              <a14:hiddenLine xmlns:a14="http://schemas.microsoft.com/office/drawing/2010/main" xmlns="" w="9525">
+              <a14:hiddenLine xmlns="" xmlns:a14="http://schemas.microsoft.com/office/drawing/2010/main" w="9525">
                 <a:solidFill>
                   <a:srgbClr val="000000"/>
                 </a:solidFill>
@@ -3544,7 +3828,7 @@
           <a:bodyPr/>
           <a:lstStyle/>
           <a:p>
-            <a:fld id="{906D8BA7-23DC-437A-B7A5-986E57DD51E0}" type="datetime1">
+            <a:fld id="{F2878CB1-9C1E-40AA-BF21-1919FB17330E}" type="datetime1">
               <a:rPr lang="ru-RU" smtClean="0"/>
               <a:t>01.06.2024</a:t>
             </a:fld>
@@ -3567,6 +3851,10 @@
           <a:bodyPr/>
           <a:lstStyle/>
           <a:p>
+            <a:r>
+              <a:rPr lang="en-US" smtClean="0"/>
+              <a:t>A Method for Malware Analysis by Virtual Machine Introspection Technique</a:t>
+            </a:r>
             <a:endParaRPr lang="ru-RU"/>
           </a:p>
         </p:txBody>
@@ -3701,7 +3989,7 @@
           <a:ln/>
           <a:extLst>
             <a:ext uri="{91240B29-F687-4f45-9708-019B960494DF}">
-              <a14:hiddenLine xmlns:a14="http://schemas.microsoft.com/office/drawing/2010/main" xmlns="" w="9525">
+              <a14:hiddenLine xmlns="" xmlns:a14="http://schemas.microsoft.com/office/drawing/2010/main" w="9525">
                 <a:solidFill>
                   <a:srgbClr val="000000"/>
                 </a:solidFill>
@@ -4021,7 +4309,7 @@
           <a:bodyPr/>
           <a:lstStyle/>
           <a:p>
-            <a:fld id="{DA2E11F0-D41A-4B0A-9721-6F8517069D40}" type="datetime1">
+            <a:fld id="{95DA4CC6-19B5-455B-9F7F-1EA0BFA1AD48}" type="datetime1">
               <a:rPr lang="ru-RU" smtClean="0"/>
               <a:t>01.06.2024</a:t>
             </a:fld>
@@ -4044,6 +4332,10 @@
           <a:bodyPr/>
           <a:lstStyle/>
           <a:p>
+            <a:r>
+              <a:rPr lang="en-US" smtClean="0"/>
+              <a:t>A Method for Malware Analysis by Virtual Machine Introspection Technique</a:t>
+            </a:r>
             <a:endParaRPr lang="ru-RU"/>
           </a:p>
         </p:txBody>
@@ -4178,7 +4470,7 @@
           <a:ln/>
           <a:extLst>
             <a:ext uri="{91240B29-F687-4f45-9708-019B960494DF}">
-              <a14:hiddenLine xmlns:a14="http://schemas.microsoft.com/office/drawing/2010/main" xmlns="" w="9525">
+              <a14:hiddenLine xmlns="" xmlns:a14="http://schemas.microsoft.com/office/drawing/2010/main" w="9525">
                 <a:solidFill>
                   <a:srgbClr val="000000"/>
                 </a:solidFill>
@@ -4242,7 +4534,7 @@
           <a:bodyPr/>
           <a:lstStyle/>
           <a:p>
-            <a:fld id="{74273B11-8E91-4D1D-A377-255C6659DDD9}" type="datetime1">
+            <a:fld id="{F16295EC-EF5E-417C-9DD1-9F7FA8B259A8}" type="datetime1">
               <a:rPr lang="ru-RU" smtClean="0"/>
               <a:t>01.06.2024</a:t>
             </a:fld>
@@ -4265,6 +4557,10 @@
           <a:bodyPr/>
           <a:lstStyle/>
           <a:p>
+            <a:r>
+              <a:rPr lang="en-US" smtClean="0"/>
+              <a:t>A Method for Malware Analysis by Virtual Machine Introspection Technique</a:t>
+            </a:r>
             <a:endParaRPr lang="ru-RU"/>
           </a:p>
         </p:txBody>
@@ -4337,7 +4633,7 @@
           <a:bodyPr/>
           <a:lstStyle/>
           <a:p>
-            <a:fld id="{E651284D-DC31-4556-BEAC-5A8A1A7A9EC2}" type="datetime1">
+            <a:fld id="{1DEF9566-6BF8-4635-AFCF-0C7CC53EA491}" type="datetime1">
               <a:rPr lang="ru-RU" smtClean="0"/>
               <a:t>01.06.2024</a:t>
             </a:fld>
@@ -4360,6 +4656,10 @@
           <a:bodyPr/>
           <a:lstStyle/>
           <a:p>
+            <a:r>
+              <a:rPr lang="en-US" smtClean="0"/>
+              <a:t>A Method for Malware Analysis by Virtual Machine Introspection Technique</a:t>
+            </a:r>
             <a:endParaRPr lang="ru-RU"/>
           </a:p>
         </p:txBody>
@@ -4607,7 +4907,7 @@
           <a:ln/>
           <a:extLst>
             <a:ext uri="{91240B29-F687-4f45-9708-019B960494DF}">
-              <a14:hiddenLine xmlns:a14="http://schemas.microsoft.com/office/drawing/2010/main" xmlns="" w="9525">
+              <a14:hiddenLine xmlns="" xmlns:a14="http://schemas.microsoft.com/office/drawing/2010/main" w="9525">
                 <a:solidFill>
                   <a:srgbClr val="000000"/>
                 </a:solidFill>
@@ -4804,7 +5104,7 @@
           <a:bodyPr/>
           <a:lstStyle/>
           <a:p>
-            <a:fld id="{0243A173-6414-4BEF-B49E-778DA7BE2B59}" type="datetime1">
+            <a:fld id="{DAC606F8-97A3-4F64-8D71-F799C0C8D738}" type="datetime1">
               <a:rPr lang="ru-RU" smtClean="0"/>
               <a:t>01.06.2024</a:t>
             </a:fld>
@@ -4827,6 +5127,10 @@
           <a:bodyPr/>
           <a:lstStyle/>
           <a:p>
+            <a:r>
+              <a:rPr lang="en-US" smtClean="0"/>
+              <a:t>A Method for Malware Analysis by Virtual Machine Introspection Technique</a:t>
+            </a:r>
             <a:endParaRPr lang="ru-RU"/>
           </a:p>
         </p:txBody>
@@ -5117,7 +5421,7 @@
           <a:bodyPr/>
           <a:lstStyle/>
           <a:p>
-            <a:fld id="{B936D781-AB53-4A6D-A2A7-CAAFD6384058}" type="datetime1">
+            <a:fld id="{F7C4717D-F4C1-40AD-8D53-35F1AD89402C}" type="datetime1">
               <a:rPr lang="ru-RU" smtClean="0"/>
               <a:t>01.06.2024</a:t>
             </a:fld>
@@ -5145,6 +5449,10 @@
           <a:bodyPr/>
           <a:lstStyle/>
           <a:p>
+            <a:r>
+              <a:rPr lang="en-US" smtClean="0"/>
+              <a:t>A Method for Malware Analysis by Virtual Machine Introspection Technique</a:t>
+            </a:r>
             <a:endParaRPr lang="ru-RU"/>
           </a:p>
         </p:txBody>
@@ -5352,6 +5660,10 @@
             </a:lvl1pPr>
           </a:lstStyle>
           <a:p>
+            <a:r>
+              <a:rPr lang="en-US" smtClean="0"/>
+              <a:t>A Method for Malware Analysis by Virtual Machine Introspection Technique</a:t>
+            </a:r>
             <a:endParaRPr lang="ru-RU"/>
           </a:p>
         </p:txBody>
@@ -5387,7 +5699,7 @@
             </a:lvl1pPr>
           </a:lstStyle>
           <a:p>
-            <a:fld id="{50A5BD22-AAC5-476B-AFA1-575937278958}" type="datetime1">
+            <a:fld id="{481C8701-8A07-4B74-B843-244DD74E6E97}" type="datetime1">
               <a:rPr lang="ru-RU" smtClean="0"/>
               <a:t>01.06.2024</a:t>
             </a:fld>
@@ -5458,7 +5770,7 @@
     <p:sldLayoutId id="2147483864" r:id="rId13"/>
     <p:sldLayoutId id="2147483865" r:id="rId14"/>
   </p:sldLayoutIdLst>
-  <p:hf hdr="0" dt="0"/>
+  <p:hf hdr="0" ftr="0" dt="0"/>
   <p:txStyles>
     <p:titleStyle>
       <a:lvl1pPr algn="l" defTabSz="457200" rtl="0" eaLnBrk="1" latinLnBrk="0" hangingPunct="1">
@@ -5879,7 +6191,7 @@
         </p:nvSpPr>
         <p:spPr>
           <a:xfrm>
-            <a:off x="4542020" y="5091216"/>
+            <a:off x="4773674" y="5258252"/>
             <a:ext cx="6970426" cy="1315271"/>
           </a:xfrm>
         </p:spPr>
@@ -5890,23 +6202,16 @@
           <a:lstStyle/>
           <a:p>
             <a:r>
-              <a:rPr lang="en-US" sz="2000" dirty="0"/>
-              <a:t>The presentation was made by students of group </a:t>
-            </a:r>
-            <a:r>
-              <a:rPr lang="en-US" sz="2000" dirty="0" smtClean="0"/>
-              <a:t>6111</a:t>
-            </a:r>
-            <a:endParaRPr lang="ru-RU" sz="2000" dirty="0" smtClean="0"/>
-          </a:p>
-          <a:p>
-            <a:r>
               <a:rPr lang="en-US" sz="2000" dirty="0" err="1" smtClean="0"/>
               <a:t>Shtengauer</a:t>
             </a:r>
             <a:r>
               <a:rPr lang="en-US" sz="2000" dirty="0" smtClean="0"/>
-              <a:t> Kirill and </a:t>
+              <a:t> </a:t>
+            </a:r>
+            <a:r>
+              <a:rPr lang="en-US" sz="2000" dirty="0" smtClean="0"/>
+              <a:t>Kirill and </a:t>
             </a:r>
             <a:r>
               <a:rPr lang="en-US" sz="2000" dirty="0" err="1" smtClean="0"/>
@@ -5914,11 +6219,7 @@
             </a:r>
             <a:r>
               <a:rPr lang="en-US" sz="2000" dirty="0" smtClean="0"/>
-              <a:t> Timo</a:t>
-            </a:r>
-            <a:r>
-              <a:rPr lang="en-US" sz="2000" dirty="0" smtClean="0"/>
-              <a:t>fey</a:t>
+              <a:t> Timofey</a:t>
             </a:r>
             <a:endParaRPr lang="ru-RU" sz="2000" dirty="0"/>
           </a:p>
@@ -5926,30 +6227,7 @@
       </p:sp>
       <p:sp>
         <p:nvSpPr>
-          <p:cNvPr id="4" name="Нижний колонтитул 3"/>
-          <p:cNvSpPr>
-            <a:spLocks noGrp="1"/>
-          </p:cNvSpPr>
-          <p:nvPr>
-            <p:ph type="ftr" sz="quarter" idx="11"/>
-          </p:nvPr>
-        </p:nvSpPr>
-        <p:spPr/>
-        <p:txBody>
-          <a:bodyPr/>
-          <a:lstStyle/>
-          <a:p>
-            <a:r>
-              <a:rPr lang="en-US" dirty="0"/>
-              <a:t>A Method for Malware Analysis by Virtual Machine Introspection Technique</a:t>
-            </a:r>
-            <a:endParaRPr lang="ru-RU" dirty="0"/>
-          </a:p>
-        </p:txBody>
-      </p:sp>
-      <p:sp>
-        <p:nvSpPr>
-          <p:cNvPr id="5" name="Номер слайда 4"/>
+          <p:cNvPr id="7" name="Номер слайда 6"/>
           <p:cNvSpPr>
             <a:spLocks noGrp="1"/>
           </p:cNvSpPr>
@@ -6393,39 +6671,7 @@
       </p:sp>
       <p:sp>
         <p:nvSpPr>
-          <p:cNvPr id="6" name="Нижний колонтитул 5"/>
-          <p:cNvSpPr>
-            <a:spLocks noGrp="1"/>
-          </p:cNvSpPr>
-          <p:nvPr>
-            <p:ph type="ftr" sz="quarter" idx="11"/>
-          </p:nvPr>
-        </p:nvSpPr>
-        <p:spPr>
-          <a:xfrm>
-            <a:off x="422939" y="6161187"/>
-            <a:ext cx="8644320" cy="365125"/>
-          </a:xfrm>
-        </p:spPr>
-        <p:txBody>
-          <a:bodyPr/>
-          <a:lstStyle/>
-          <a:p>
-            <a:r>
-              <a:rPr lang="en-US" dirty="0"/>
-              <a:t>A Method for Malware Analysis by Virtual Machine Introspection </a:t>
-            </a:r>
-            <a:r>
-              <a:rPr lang="en-US" dirty="0" smtClean="0"/>
-              <a:t>Technique</a:t>
-            </a:r>
-            <a:endParaRPr lang="ru-RU" dirty="0"/>
-          </a:p>
-        </p:txBody>
-      </p:sp>
-      <p:sp>
-        <p:nvSpPr>
-          <p:cNvPr id="7" name="Номер слайда 6"/>
+          <p:cNvPr id="9" name="Номер слайда 8"/>
           <p:cNvSpPr>
             <a:spLocks noGrp="1"/>
           </p:cNvSpPr>
@@ -6495,7 +6741,7 @@
         </p:nvSpPr>
         <p:spPr>
           <a:xfrm>
-            <a:off x="300039" y="803494"/>
+            <a:off x="208772" y="708098"/>
             <a:ext cx="10555288" cy="1628774"/>
           </a:xfrm>
         </p:spPr>
@@ -6517,7 +6763,6 @@
               <a:rPr lang="en-US" dirty="0" smtClean="0"/>
               <a:t>files</a:t>
             </a:r>
-            <a:endParaRPr lang="en-US" dirty="0" smtClean="0"/>
           </a:p>
           <a:p>
             <a:r>
@@ -6547,13 +6792,13 @@
           <p:nvPr>
             <p:extLst>
               <p:ext uri="{D42A27DB-BD31-4B8C-83A1-F6EECF244321}">
-                <p14:modId xmlns:p14="http://schemas.microsoft.com/office/powerpoint/2010/main" val="1416100719"/>
+                <p14:modId xmlns:p14="http://schemas.microsoft.com/office/powerpoint/2010/main" val="224786785"/>
               </p:ext>
             </p:extLst>
           </p:nvPr>
         </p:nvGraphicFramePr>
         <p:xfrm>
-          <a:off x="185739" y="2432268"/>
+          <a:off x="185738" y="2293381"/>
           <a:ext cx="11687181" cy="3700283"/>
         </p:xfrm>
         <a:graphic>
@@ -7550,7 +7795,7 @@
         </p:nvSpPr>
         <p:spPr>
           <a:xfrm>
-            <a:off x="300039" y="157163"/>
+            <a:off x="300039" y="95608"/>
             <a:ext cx="9872663" cy="707886"/>
           </a:xfrm>
           <a:prstGeom prst="rect">
@@ -7580,7 +7825,7 @@
         </p:nvSpPr>
         <p:spPr>
           <a:xfrm>
-            <a:off x="2636048" y="6132551"/>
+            <a:off x="2636047" y="6037155"/>
             <a:ext cx="6786562" cy="369332"/>
           </a:xfrm>
           <a:prstGeom prst="rect">
@@ -7605,39 +7850,7 @@
       </p:sp>
       <p:sp>
         <p:nvSpPr>
-          <p:cNvPr id="5" name="Нижний колонтитул 4"/>
-          <p:cNvSpPr>
-            <a:spLocks noGrp="1"/>
-          </p:cNvSpPr>
-          <p:nvPr>
-            <p:ph type="ftr" sz="quarter" idx="11"/>
-          </p:nvPr>
-        </p:nvSpPr>
-        <p:spPr>
-          <a:xfrm>
-            <a:off x="300039" y="6406155"/>
-            <a:ext cx="8644320" cy="365125"/>
-          </a:xfrm>
-        </p:spPr>
-        <p:txBody>
-          <a:bodyPr/>
-          <a:lstStyle/>
-          <a:p>
-            <a:r>
-              <a:rPr lang="en-US" dirty="0"/>
-              <a:t>A Method for Malware Analysis by Virtual Machine Introspection </a:t>
-            </a:r>
-            <a:r>
-              <a:rPr lang="en-US" dirty="0" smtClean="0"/>
-              <a:t>Technique</a:t>
-            </a:r>
-            <a:endParaRPr lang="ru-RU" dirty="0"/>
-          </a:p>
-        </p:txBody>
-      </p:sp>
-      <p:sp>
-        <p:nvSpPr>
-          <p:cNvPr id="7" name="Номер слайда 6"/>
+          <p:cNvPr id="9" name="Номер слайда 8"/>
           <p:cNvSpPr>
             <a:spLocks noGrp="1"/>
           </p:cNvSpPr>
@@ -7741,7 +7954,6 @@
               <a:rPr lang="en-US" dirty="0" smtClean="0"/>
               <a:t>files</a:t>
             </a:r>
-            <a:endParaRPr lang="en-US" dirty="0" smtClean="0"/>
           </a:p>
           <a:p>
             <a:r>
@@ -7758,34 +7970,7 @@
       </p:sp>
       <p:sp>
         <p:nvSpPr>
-          <p:cNvPr id="4" name="Нижний колонтитул 3"/>
-          <p:cNvSpPr>
-            <a:spLocks noGrp="1"/>
-          </p:cNvSpPr>
-          <p:nvPr>
-            <p:ph type="ftr" sz="quarter" idx="11"/>
-          </p:nvPr>
-        </p:nvSpPr>
-        <p:spPr/>
-        <p:txBody>
-          <a:bodyPr/>
-          <a:lstStyle/>
-          <a:p>
-            <a:r>
-              <a:rPr lang="en-US" dirty="0"/>
-              <a:t>A Method for Malware Analysis by Virtual Machine Introspection </a:t>
-            </a:r>
-            <a:r>
-              <a:rPr lang="en-US" dirty="0" smtClean="0"/>
-              <a:t>Technique</a:t>
-            </a:r>
-            <a:endParaRPr lang="ru-RU" dirty="0"/>
-          </a:p>
-        </p:txBody>
-      </p:sp>
-      <p:sp>
-        <p:nvSpPr>
-          <p:cNvPr id="5" name="Номер слайда 4"/>
+          <p:cNvPr id="7" name="Номер слайда 6"/>
           <p:cNvSpPr>
             <a:spLocks noGrp="1"/>
           </p:cNvSpPr>
@@ -7887,34 +8072,7 @@
       </p:sp>
       <p:sp>
         <p:nvSpPr>
-          <p:cNvPr id="4" name="Нижний колонтитул 3"/>
-          <p:cNvSpPr>
-            <a:spLocks noGrp="1"/>
-          </p:cNvSpPr>
-          <p:nvPr>
-            <p:ph type="ftr" sz="quarter" idx="11"/>
-          </p:nvPr>
-        </p:nvSpPr>
-        <p:spPr/>
-        <p:txBody>
-          <a:bodyPr/>
-          <a:lstStyle/>
-          <a:p>
-            <a:r>
-              <a:rPr lang="en-US" dirty="0"/>
-              <a:t>A Method for Malware Analysis by Virtual Machine Introspection </a:t>
-            </a:r>
-            <a:r>
-              <a:rPr lang="en-US" dirty="0" smtClean="0"/>
-              <a:t>Technique</a:t>
-            </a:r>
-            <a:endParaRPr lang="ru-RU" dirty="0"/>
-          </a:p>
-        </p:txBody>
-      </p:sp>
-      <p:sp>
-        <p:nvSpPr>
-          <p:cNvPr id="5" name="Номер слайда 4"/>
+          <p:cNvPr id="7" name="Номер слайда 6"/>
           <p:cNvSpPr>
             <a:spLocks noGrp="1"/>
           </p:cNvSpPr>
@@ -8212,34 +8370,7 @@
       </p:sp>
       <p:sp>
         <p:nvSpPr>
-          <p:cNvPr id="4" name="Нижний колонтитул 3"/>
-          <p:cNvSpPr>
-            <a:spLocks noGrp="1"/>
-          </p:cNvSpPr>
-          <p:nvPr>
-            <p:ph type="ftr" sz="quarter" idx="11"/>
-          </p:nvPr>
-        </p:nvSpPr>
-        <p:spPr/>
-        <p:txBody>
-          <a:bodyPr/>
-          <a:lstStyle/>
-          <a:p>
-            <a:r>
-              <a:rPr lang="en-US" dirty="0"/>
-              <a:t>A Method for Malware Analysis by Virtual Machine Introspection </a:t>
-            </a:r>
-            <a:r>
-              <a:rPr lang="en-US" dirty="0" smtClean="0"/>
-              <a:t>Technique</a:t>
-            </a:r>
-            <a:endParaRPr lang="ru-RU" dirty="0"/>
-          </a:p>
-        </p:txBody>
-      </p:sp>
-      <p:sp>
-        <p:nvSpPr>
-          <p:cNvPr id="5" name="Номер слайда 4"/>
+          <p:cNvPr id="7" name="Номер слайда 6"/>
           <p:cNvSpPr>
             <a:spLocks noGrp="1"/>
           </p:cNvSpPr>
@@ -8343,7 +8474,6 @@
               <a:rPr lang="en-US" dirty="0" smtClean="0"/>
               <a:t>years</a:t>
             </a:r>
-            <a:endParaRPr lang="en-US" dirty="0" smtClean="0"/>
           </a:p>
           <a:p>
             <a:r>
@@ -8366,34 +8496,7 @@
       </p:sp>
       <p:sp>
         <p:nvSpPr>
-          <p:cNvPr id="4" name="Нижний колонтитул 3"/>
-          <p:cNvSpPr>
-            <a:spLocks noGrp="1"/>
-          </p:cNvSpPr>
-          <p:nvPr>
-            <p:ph type="ftr" sz="quarter" idx="11"/>
-          </p:nvPr>
-        </p:nvSpPr>
-        <p:spPr/>
-        <p:txBody>
-          <a:bodyPr/>
-          <a:lstStyle/>
-          <a:p>
-            <a:r>
-              <a:rPr lang="en-US" dirty="0"/>
-              <a:t>A Method for Malware Analysis by Virtual Machine Introspection </a:t>
-            </a:r>
-            <a:r>
-              <a:rPr lang="en-US" dirty="0" smtClean="0"/>
-              <a:t>Technique</a:t>
-            </a:r>
-            <a:endParaRPr lang="ru-RU" dirty="0"/>
-          </a:p>
-        </p:txBody>
-      </p:sp>
-      <p:sp>
-        <p:nvSpPr>
-          <p:cNvPr id="5" name="Номер слайда 4"/>
+          <p:cNvPr id="7" name="Номер слайда 6"/>
           <p:cNvSpPr>
             <a:spLocks noGrp="1"/>
           </p:cNvSpPr>
@@ -8508,40 +8611,12 @@
               <a:rPr lang="en-US" dirty="0" smtClean="0"/>
               <a:t>outside</a:t>
             </a:r>
-            <a:endParaRPr lang="en-US" dirty="0" smtClean="0"/>
-          </a:p>
-        </p:txBody>
-      </p:sp>
-      <p:sp>
-        <p:nvSpPr>
-          <p:cNvPr id="4" name="Нижний колонтитул 3"/>
-          <p:cNvSpPr>
-            <a:spLocks noGrp="1"/>
-          </p:cNvSpPr>
-          <p:nvPr>
-            <p:ph type="ftr" sz="quarter" idx="11"/>
-          </p:nvPr>
-        </p:nvSpPr>
-        <p:spPr/>
-        <p:txBody>
-          <a:bodyPr/>
-          <a:lstStyle/>
-          <a:p>
-            <a:r>
-              <a:rPr lang="en-US" dirty="0"/>
-              <a:t>A Method for Malware Analysis by Virtual Machine Introspection </a:t>
-            </a:r>
-            <a:r>
-              <a:rPr lang="en-US" dirty="0" smtClean="0"/>
-              <a:t>Technique</a:t>
-            </a:r>
-            <a:endParaRPr lang="ru-RU" dirty="0"/>
-          </a:p>
-        </p:txBody>
-      </p:sp>
-      <p:sp>
-        <p:nvSpPr>
-          <p:cNvPr id="5" name="Номер слайда 4"/>
+          </a:p>
+        </p:txBody>
+      </p:sp>
+      <p:sp>
+        <p:nvSpPr>
+          <p:cNvPr id="7" name="Номер слайда 6"/>
           <p:cNvSpPr>
             <a:spLocks noGrp="1"/>
           </p:cNvSpPr>
@@ -8661,7 +8736,6 @@
               <a:rPr lang="en-US" dirty="0" smtClean="0"/>
               <a:t>host</a:t>
             </a:r>
-            <a:endParaRPr lang="en-US" dirty="0" smtClean="0"/>
           </a:p>
           <a:p>
             <a:r>
@@ -8678,34 +8752,7 @@
       </p:sp>
       <p:sp>
         <p:nvSpPr>
-          <p:cNvPr id="4" name="Нижний колонтитул 3"/>
-          <p:cNvSpPr>
-            <a:spLocks noGrp="1"/>
-          </p:cNvSpPr>
-          <p:nvPr>
-            <p:ph type="ftr" sz="quarter" idx="11"/>
-          </p:nvPr>
-        </p:nvSpPr>
-        <p:spPr/>
-        <p:txBody>
-          <a:bodyPr/>
-          <a:lstStyle/>
-          <a:p>
-            <a:r>
-              <a:rPr lang="en-US" dirty="0"/>
-              <a:t>A Method for Malware Analysis by Virtual Machine Introspection </a:t>
-            </a:r>
-            <a:r>
-              <a:rPr lang="en-US" dirty="0" smtClean="0"/>
-              <a:t>Technique</a:t>
-            </a:r>
-            <a:endParaRPr lang="ru-RU" dirty="0"/>
-          </a:p>
-        </p:txBody>
-      </p:sp>
-      <p:sp>
-        <p:nvSpPr>
-          <p:cNvPr id="5" name="Номер слайда 4"/>
+          <p:cNvPr id="7" name="Номер слайда 6"/>
           <p:cNvSpPr>
             <a:spLocks noGrp="1"/>
           </p:cNvSpPr>
@@ -8818,7 +8865,7 @@
         </p:nvSpPr>
         <p:spPr>
           <a:xfrm>
-            <a:off x="853190" y="4643438"/>
+            <a:off x="823907" y="4458772"/>
             <a:ext cx="5891636" cy="2039658"/>
           </a:xfrm>
         </p:spPr>
@@ -8852,13 +8899,8 @@
             </a:r>
             <a:r>
               <a:rPr lang="en-US" dirty="0" smtClean="0"/>
-              <a:t>server </a:t>
-            </a:r>
-            <a:r>
-              <a:rPr lang="en-US" dirty="0" smtClean="0"/>
-              <a:t>environment</a:t>
-            </a:r>
-            <a:endParaRPr lang="en-US" dirty="0" smtClean="0"/>
+              <a:t>server environment</a:t>
+            </a:r>
           </a:p>
           <a:p>
             <a:pPr marL="342900" indent="-342900">
@@ -8997,38 +9039,7 @@
       </p:sp>
       <p:sp>
         <p:nvSpPr>
-          <p:cNvPr id="4" name="Нижний колонтитул 3"/>
-          <p:cNvSpPr>
-            <a:spLocks noGrp="1"/>
-          </p:cNvSpPr>
-          <p:nvPr>
-            <p:ph type="ftr" sz="quarter" idx="11"/>
-          </p:nvPr>
-        </p:nvSpPr>
-        <p:spPr>
-          <a:xfrm>
-            <a:off x="365789" y="6254954"/>
-            <a:ext cx="8644320" cy="365125"/>
-          </a:xfrm>
-        </p:spPr>
-        <p:txBody>
-          <a:bodyPr/>
-          <a:lstStyle/>
-          <a:p>
-            <a:r>
-              <a:rPr lang="en-US" dirty="0"/>
-              <a:t>A Method for Malware Analysis by Virtual Machine Introspection Technique</a:t>
-            </a:r>
-            <a:endParaRPr lang="ru-RU" dirty="0"/>
-          </a:p>
-          <a:p>
-            <a:endParaRPr lang="ru-RU" dirty="0"/>
-          </a:p>
-        </p:txBody>
-      </p:sp>
-      <p:sp>
-        <p:nvSpPr>
-          <p:cNvPr id="9" name="Номер слайда 8"/>
+          <p:cNvPr id="11" name="Номер слайда 10"/>
           <p:cNvSpPr>
             <a:spLocks noGrp="1"/>
           </p:cNvSpPr>
@@ -9234,34 +9245,7 @@
       </p:sp>
       <p:sp>
         <p:nvSpPr>
-          <p:cNvPr id="6" name="Нижний колонтитул 5"/>
-          <p:cNvSpPr>
-            <a:spLocks noGrp="1"/>
-          </p:cNvSpPr>
-          <p:nvPr>
-            <p:ph type="ftr" sz="quarter" idx="11"/>
-          </p:nvPr>
-        </p:nvSpPr>
-        <p:spPr/>
-        <p:txBody>
-          <a:bodyPr/>
-          <a:lstStyle/>
-          <a:p>
-            <a:r>
-              <a:rPr lang="en-US" dirty="0"/>
-              <a:t>A Method for Malware Analysis by Virtual Machine Introspection </a:t>
-            </a:r>
-            <a:r>
-              <a:rPr lang="en-US" dirty="0" smtClean="0"/>
-              <a:t>Technique</a:t>
-            </a:r>
-            <a:endParaRPr lang="ru-RU" dirty="0"/>
-          </a:p>
-        </p:txBody>
-      </p:sp>
-      <p:sp>
-        <p:nvSpPr>
-          <p:cNvPr id="7" name="Номер слайда 6"/>
+          <p:cNvPr id="9" name="Номер слайда 8"/>
           <p:cNvSpPr>
             <a:spLocks noGrp="1"/>
           </p:cNvSpPr>
@@ -9365,7 +9349,6 @@
               <a:rPr lang="en-US" dirty="0" smtClean="0"/>
               <a:t>layer</a:t>
             </a:r>
-            <a:endParaRPr lang="en-US" dirty="0" smtClean="0"/>
           </a:p>
           <a:p>
             <a:r>
@@ -9382,34 +9365,7 @@
       </p:sp>
       <p:sp>
         <p:nvSpPr>
-          <p:cNvPr id="4" name="Нижний колонтитул 3"/>
-          <p:cNvSpPr>
-            <a:spLocks noGrp="1"/>
-          </p:cNvSpPr>
-          <p:nvPr>
-            <p:ph type="ftr" sz="quarter" idx="11"/>
-          </p:nvPr>
-        </p:nvSpPr>
-        <p:spPr/>
-        <p:txBody>
-          <a:bodyPr/>
-          <a:lstStyle/>
-          <a:p>
-            <a:r>
-              <a:rPr lang="en-US" dirty="0"/>
-              <a:t>A Method for Malware Analysis by Virtual Machine Introspection </a:t>
-            </a:r>
-            <a:r>
-              <a:rPr lang="en-US" dirty="0" smtClean="0"/>
-              <a:t>Technique</a:t>
-            </a:r>
-            <a:endParaRPr lang="ru-RU" dirty="0"/>
-          </a:p>
-        </p:txBody>
-      </p:sp>
-      <p:sp>
-        <p:nvSpPr>
-          <p:cNvPr id="5" name="Номер слайда 4"/>
+          <p:cNvPr id="7" name="Номер слайда 6"/>
           <p:cNvSpPr>
             <a:spLocks noGrp="1"/>
           </p:cNvSpPr>
@@ -9615,56 +9571,6 @@
       </p:sp>
       <p:sp>
         <p:nvSpPr>
-          <p:cNvPr id="4" name="Нижний колонтитул 3"/>
-          <p:cNvSpPr>
-            <a:spLocks noGrp="1"/>
-          </p:cNvSpPr>
-          <p:nvPr>
-            <p:ph type="ftr" sz="quarter" idx="11"/>
-          </p:nvPr>
-        </p:nvSpPr>
-        <p:spPr/>
-        <p:txBody>
-          <a:bodyPr/>
-          <a:lstStyle/>
-          <a:p>
-            <a:r>
-              <a:rPr lang="en-US" dirty="0"/>
-              <a:t>A Method for Malware Analysis by Virtual Machine Introspection </a:t>
-            </a:r>
-            <a:r>
-              <a:rPr lang="en-US" dirty="0" smtClean="0"/>
-              <a:t>Technique</a:t>
-            </a:r>
-            <a:endParaRPr lang="ru-RU" dirty="0"/>
-          </a:p>
-        </p:txBody>
-      </p:sp>
-      <p:sp>
-        <p:nvSpPr>
-          <p:cNvPr id="5" name="Номер слайда 4"/>
-          <p:cNvSpPr>
-            <a:spLocks noGrp="1"/>
-          </p:cNvSpPr>
-          <p:nvPr>
-            <p:ph type="sldNum" sz="quarter" idx="12"/>
-          </p:nvPr>
-        </p:nvSpPr>
-        <p:spPr/>
-        <p:txBody>
-          <a:bodyPr/>
-          <a:lstStyle/>
-          <a:p>
-            <a:fld id="{EE276063-744B-49AE-85F4-CD3EC9E66288}" type="slidenum">
-              <a:rPr lang="ru-RU" smtClean="0"/>
-              <a:t>9</a:t>
-            </a:fld>
-            <a:endParaRPr lang="ru-RU"/>
-          </a:p>
-        </p:txBody>
-      </p:sp>
-      <p:sp>
-        <p:nvSpPr>
           <p:cNvPr id="6" name="TextBox 5"/>
           <p:cNvSpPr txBox="1"/>
           <p:nvPr/>
@@ -9690,6 +9596,29 @@
               <a:t>The virtual machine introspection method consists of the following five steps:</a:t>
             </a:r>
             <a:endParaRPr lang="ru-RU" dirty="0"/>
+          </a:p>
+        </p:txBody>
+      </p:sp>
+      <p:sp>
+        <p:nvSpPr>
+          <p:cNvPr id="8" name="Номер слайда 7"/>
+          <p:cNvSpPr>
+            <a:spLocks noGrp="1"/>
+          </p:cNvSpPr>
+          <p:nvPr>
+            <p:ph type="sldNum" sz="quarter" idx="12"/>
+          </p:nvPr>
+        </p:nvSpPr>
+        <p:spPr/>
+        <p:txBody>
+          <a:bodyPr/>
+          <a:lstStyle/>
+          <a:p>
+            <a:fld id="{EE276063-744B-49AE-85F4-CD3EC9E66288}" type="slidenum">
+              <a:rPr lang="ru-RU" smtClean="0"/>
+              <a:t>9</a:t>
+            </a:fld>
+            <a:endParaRPr lang="ru-RU"/>
           </a:p>
         </p:txBody>
       </p:sp>
